--- a/Predstavitve/Praktikum II - Skupina 7 - Teden 3.pptx
+++ b/Predstavitve/Praktikum II - Skupina 7 - Teden 3.pptx
@@ -5,19 +5,20 @@
     <p:sldMasterId id="2147483659" r:id="rId1"/>
   </p:sldMasterIdLst>
   <p:notesMasterIdLst>
-    <p:notesMasterId r:id="rId12"/>
+    <p:notesMasterId r:id="rId13"/>
   </p:notesMasterIdLst>
   <p:sldIdLst>
     <p:sldId id="256" r:id="rId2"/>
     <p:sldId id="257" r:id="rId3"/>
     <p:sldId id="258" r:id="rId4"/>
     <p:sldId id="259" r:id="rId5"/>
-    <p:sldId id="260" r:id="rId6"/>
-    <p:sldId id="261" r:id="rId7"/>
-    <p:sldId id="262" r:id="rId8"/>
-    <p:sldId id="263" r:id="rId9"/>
-    <p:sldId id="264" r:id="rId10"/>
-    <p:sldId id="265" r:id="rId11"/>
+    <p:sldId id="266" r:id="rId6"/>
+    <p:sldId id="260" r:id="rId7"/>
+    <p:sldId id="261" r:id="rId8"/>
+    <p:sldId id="262" r:id="rId9"/>
+    <p:sldId id="263" r:id="rId10"/>
+    <p:sldId id="264" r:id="rId11"/>
+    <p:sldId id="265" r:id="rId12"/>
   </p:sldIdLst>
   <p:sldSz cx="9144000" cy="5143500" type="screen16x9"/>
   <p:notesSz cx="6858000" cy="9144000"/>
@@ -12422,6 +12423,1536 @@
   <p:cSld>
     <p:spTree>
       <p:nvGrpSpPr>
+        <p:cNvPr id="1" name="Shape 122"/>
+        <p:cNvGrpSpPr/>
+        <p:nvPr/>
+      </p:nvGrpSpPr>
+      <p:grpSpPr>
+        <a:xfrm>
+          <a:off x="0" y="0"/>
+          <a:ext cx="0" cy="0"/>
+          <a:chOff x="0" y="0"/>
+          <a:chExt cx="0" cy="0"/>
+        </a:xfrm>
+      </p:grpSpPr>
+      <p:sp>
+        <p:nvSpPr>
+          <p:cNvPr id="123" name="Shape 123" descr="Background pointer shape in timeline graphic"/>
+          <p:cNvSpPr/>
+          <p:nvPr/>
+        </p:nvSpPr>
+        <p:spPr>
+          <a:xfrm>
+            <a:off x="340934" y="2199000"/>
+            <a:ext cx="1872300" cy="745500"/>
+          </a:xfrm>
+          <a:prstGeom prst="homePlate">
+            <a:avLst>
+              <a:gd name="adj" fmla="val 50000"/>
+            </a:avLst>
+          </a:prstGeom>
+          <a:solidFill>
+            <a:schemeClr val="dk1"/>
+          </a:solidFill>
+          <a:ln w="9525" cap="flat" cmpd="sng">
+            <a:solidFill>
+              <a:schemeClr val="lt1"/>
+            </a:solidFill>
+            <a:prstDash val="solid"/>
+            <a:round/>
+            <a:headEnd type="none" w="sm" len="sm"/>
+            <a:tailEnd type="none" w="sm" len="sm"/>
+          </a:ln>
+        </p:spPr>
+        <p:txBody>
+          <a:bodyPr spcFirstLastPara="1" wrap="square" lIns="121875" tIns="121875" rIns="121875" bIns="121875" anchor="ctr" anchorCtr="0">
+            <a:noAutofit/>
+          </a:bodyPr>
+          <a:lstStyle/>
+          <a:p>
+            <a:pPr marL="0" marR="0" lvl="0" indent="0" algn="l" rtl="0">
+              <a:lnSpc>
+                <a:spcPct val="100000"/>
+              </a:lnSpc>
+              <a:spcBef>
+                <a:spcPts val="0"/>
+              </a:spcBef>
+              <a:spcAft>
+                <a:spcPts val="0"/>
+              </a:spcAft>
+              <a:buClr>
+                <a:srgbClr val="000000"/>
+              </a:buClr>
+              <a:buSzPts val="1400"/>
+              <a:buFont typeface="Arial"/>
+              <a:buNone/>
+            </a:pPr>
+            <a:endParaRPr sz="1400" b="0" i="0" u="none" strike="noStrike" cap="none">
+              <a:solidFill>
+                <a:srgbClr val="000000"/>
+              </a:solidFill>
+              <a:latin typeface="Arial"/>
+              <a:ea typeface="Arial"/>
+              <a:cs typeface="Arial"/>
+              <a:sym typeface="Arial"/>
+            </a:endParaRPr>
+          </a:p>
+        </p:txBody>
+      </p:sp>
+      <p:sp>
+        <p:nvSpPr>
+          <p:cNvPr id="124" name="Shape 124"/>
+          <p:cNvSpPr txBox="1">
+            <a:spLocks noGrp="1"/>
+          </p:cNvSpPr>
+          <p:nvPr>
+            <p:ph type="body" idx="4294967295"/>
+          </p:nvPr>
+        </p:nvSpPr>
+        <p:spPr>
+          <a:xfrm>
+            <a:off x="340923" y="2336550"/>
+            <a:ext cx="1455600" cy="470400"/>
+          </a:xfrm>
+          <a:prstGeom prst="rect">
+            <a:avLst/>
+          </a:prstGeom>
+          <a:noFill/>
+          <a:ln>
+            <a:noFill/>
+          </a:ln>
+        </p:spPr>
+        <p:txBody>
+          <a:bodyPr spcFirstLastPara="1" wrap="square" lIns="91425" tIns="91425" rIns="91425" bIns="91425" anchor="ctr" anchorCtr="0">
+            <a:noAutofit/>
+          </a:bodyPr>
+          <a:lstStyle/>
+          <a:p>
+            <a:pPr marL="0" marR="0" lvl="0" indent="0" algn="ctr" rtl="0">
+              <a:lnSpc>
+                <a:spcPct val="100000"/>
+              </a:lnSpc>
+              <a:spcBef>
+                <a:spcPts val="0"/>
+              </a:spcBef>
+              <a:spcAft>
+                <a:spcPts val="0"/>
+              </a:spcAft>
+              <a:buClr>
+                <a:schemeClr val="dk2"/>
+              </a:buClr>
+              <a:buSzPts val="1800"/>
+              <a:buFont typeface="Arial"/>
+              <a:buNone/>
+            </a:pPr>
+            <a:r>
+              <a:rPr lang="en" sz="1600" b="1" i="0" u="none" strike="noStrike" cap="none">
+                <a:solidFill>
+                  <a:schemeClr val="lt1"/>
+                </a:solidFill>
+                <a:latin typeface="Arial"/>
+                <a:ea typeface="Arial"/>
+                <a:cs typeface="Arial"/>
+                <a:sym typeface="Arial"/>
+              </a:rPr>
+              <a:t>21.5.08</a:t>
+            </a:r>
+            <a:endParaRPr sz="1600" b="1" i="0" u="none" strike="noStrike" cap="none">
+              <a:solidFill>
+                <a:schemeClr val="lt1"/>
+              </a:solidFill>
+              <a:latin typeface="Arial"/>
+              <a:ea typeface="Arial"/>
+              <a:cs typeface="Arial"/>
+              <a:sym typeface="Arial"/>
+            </a:endParaRPr>
+          </a:p>
+        </p:txBody>
+      </p:sp>
+      <p:grpSp>
+        <p:nvGrpSpPr>
+          <p:cNvPr id="125" name="Shape 125"/>
+          <p:cNvGrpSpPr/>
+          <p:nvPr/>
+        </p:nvGrpSpPr>
+        <p:grpSpPr>
+          <a:xfrm>
+            <a:off x="969270" y="1610215"/>
+            <a:ext cx="198900" cy="593656"/>
+            <a:chOff x="777447" y="1610215"/>
+            <a:chExt cx="198900" cy="593656"/>
+          </a:xfrm>
+        </p:grpSpPr>
+        <p:cxnSp>
+          <p:nvCxnSpPr>
+            <p:cNvPr id="126" name="Shape 126"/>
+            <p:cNvCxnSpPr/>
+            <p:nvPr/>
+          </p:nvCxnSpPr>
+          <p:spPr>
+            <a:xfrm>
+              <a:off x="876909" y="1649171"/>
+              <a:ext cx="0" cy="554700"/>
+            </a:xfrm>
+            <a:prstGeom prst="straightConnector1">
+              <a:avLst/>
+            </a:prstGeom>
+            <a:noFill/>
+            <a:ln w="9525" cap="flat" cmpd="sng">
+              <a:solidFill>
+                <a:schemeClr val="dk2"/>
+              </a:solidFill>
+              <a:prstDash val="solid"/>
+              <a:round/>
+              <a:headEnd type="none" w="sm" len="sm"/>
+              <a:tailEnd type="none" w="sm" len="sm"/>
+            </a:ln>
+          </p:spPr>
+        </p:cxnSp>
+        <p:sp>
+          <p:nvSpPr>
+            <p:cNvPr id="127" name="Shape 127"/>
+            <p:cNvSpPr/>
+            <p:nvPr/>
+          </p:nvSpPr>
+          <p:spPr>
+            <a:xfrm>
+              <a:off x="777447" y="1610215"/>
+              <a:ext cx="198900" cy="198900"/>
+            </a:xfrm>
+            <a:prstGeom prst="ellipse">
+              <a:avLst/>
+            </a:prstGeom>
+            <a:solidFill>
+              <a:schemeClr val="dk1"/>
+            </a:solidFill>
+            <a:ln>
+              <a:noFill/>
+            </a:ln>
+          </p:spPr>
+          <p:txBody>
+            <a:bodyPr spcFirstLastPara="1" wrap="square" lIns="91425" tIns="91425" rIns="91425" bIns="91425" anchor="ctr" anchorCtr="0">
+              <a:noAutofit/>
+            </a:bodyPr>
+            <a:lstStyle/>
+            <a:p>
+              <a:pPr marL="0" marR="0" lvl="0" indent="0" algn="l" rtl="0">
+                <a:lnSpc>
+                  <a:spcPct val="100000"/>
+                </a:lnSpc>
+                <a:spcBef>
+                  <a:spcPts val="0"/>
+                </a:spcBef>
+                <a:spcAft>
+                  <a:spcPts val="0"/>
+                </a:spcAft>
+                <a:buClr>
+                  <a:srgbClr val="000000"/>
+                </a:buClr>
+                <a:buSzPts val="1400"/>
+                <a:buFont typeface="Arial"/>
+                <a:buNone/>
+              </a:pPr>
+              <a:endParaRPr sz="1400" b="0" i="0" u="none" strike="noStrike" cap="none">
+                <a:solidFill>
+                  <a:srgbClr val="000000"/>
+                </a:solidFill>
+                <a:latin typeface="Arial"/>
+                <a:ea typeface="Arial"/>
+                <a:cs typeface="Arial"/>
+                <a:sym typeface="Arial"/>
+              </a:endParaRPr>
+            </a:p>
+          </p:txBody>
+        </p:sp>
+      </p:grpSp>
+      <p:sp>
+        <p:nvSpPr>
+          <p:cNvPr id="128" name="Shape 128"/>
+          <p:cNvSpPr txBox="1">
+            <a:spLocks noGrp="1"/>
+          </p:cNvSpPr>
+          <p:nvPr>
+            <p:ph type="body" idx="4294967295"/>
+          </p:nvPr>
+        </p:nvSpPr>
+        <p:spPr>
+          <a:xfrm>
+            <a:off x="318375" y="385667"/>
+            <a:ext cx="2366256" cy="906300"/>
+          </a:xfrm>
+          <a:prstGeom prst="rect">
+            <a:avLst/>
+          </a:prstGeom>
+          <a:noFill/>
+          <a:ln>
+            <a:noFill/>
+          </a:ln>
+        </p:spPr>
+        <p:txBody>
+          <a:bodyPr spcFirstLastPara="1" wrap="square" lIns="91425" tIns="91425" rIns="91425" bIns="91425" anchor="t" anchorCtr="0">
+            <a:noAutofit/>
+          </a:bodyPr>
+          <a:lstStyle/>
+          <a:p>
+            <a:pPr marL="0" marR="0" lvl="0" indent="0" algn="l" rtl="0">
+              <a:lnSpc>
+                <a:spcPct val="115000"/>
+              </a:lnSpc>
+              <a:spcBef>
+                <a:spcPts val="0"/>
+              </a:spcBef>
+              <a:spcAft>
+                <a:spcPts val="1600"/>
+              </a:spcAft>
+              <a:buClr>
+                <a:schemeClr val="dk2"/>
+              </a:buClr>
+              <a:buSzPts val="1800"/>
+              <a:buFont typeface="Arial"/>
+              <a:buNone/>
+            </a:pPr>
+            <a:r>
+              <a:rPr lang="en" sz="1600" b="0" i="0" u="none" strike="noStrike" cap="none">
+                <a:solidFill>
+                  <a:srgbClr val="38761D"/>
+                </a:solidFill>
+                <a:latin typeface="Arial"/>
+                <a:ea typeface="Arial"/>
+                <a:cs typeface="Arial"/>
+                <a:sym typeface="Arial"/>
+              </a:rPr>
+              <a:t>Vzpostavitev razvojnega in izvajalnega okolja, baze, vizija</a:t>
+            </a:r>
+            <a:endParaRPr sz="1600" b="0" i="0" u="none" strike="noStrike" cap="none">
+              <a:solidFill>
+                <a:srgbClr val="38761D"/>
+              </a:solidFill>
+              <a:latin typeface="Arial"/>
+              <a:ea typeface="Arial"/>
+              <a:cs typeface="Arial"/>
+              <a:sym typeface="Arial"/>
+            </a:endParaRPr>
+          </a:p>
+        </p:txBody>
+      </p:sp>
+      <p:sp>
+        <p:nvSpPr>
+          <p:cNvPr id="129" name="Shape 129" descr="Background pointer shape in timeline graphic"/>
+          <p:cNvSpPr/>
+          <p:nvPr/>
+        </p:nvSpPr>
+        <p:spPr>
+          <a:xfrm>
+            <a:off x="1817054" y="2199000"/>
+            <a:ext cx="2051100" cy="745500"/>
+          </a:xfrm>
+          <a:prstGeom prst="chevron">
+            <a:avLst>
+              <a:gd name="adj" fmla="val 50000"/>
+            </a:avLst>
+          </a:prstGeom>
+          <a:solidFill>
+            <a:schemeClr val="dk1"/>
+          </a:solidFill>
+          <a:ln w="9525" cap="flat" cmpd="sng">
+            <a:solidFill>
+              <a:schemeClr val="lt1"/>
+            </a:solidFill>
+            <a:prstDash val="solid"/>
+            <a:round/>
+            <a:headEnd type="none" w="sm" len="sm"/>
+            <a:tailEnd type="none" w="sm" len="sm"/>
+          </a:ln>
+        </p:spPr>
+        <p:txBody>
+          <a:bodyPr spcFirstLastPara="1" wrap="square" lIns="121875" tIns="121875" rIns="121875" bIns="121875" anchor="ctr" anchorCtr="0">
+            <a:noAutofit/>
+          </a:bodyPr>
+          <a:lstStyle/>
+          <a:p>
+            <a:pPr marL="0" marR="0" lvl="0" indent="0" algn="l" rtl="0">
+              <a:lnSpc>
+                <a:spcPct val="100000"/>
+              </a:lnSpc>
+              <a:spcBef>
+                <a:spcPts val="0"/>
+              </a:spcBef>
+              <a:spcAft>
+                <a:spcPts val="0"/>
+              </a:spcAft>
+              <a:buClr>
+                <a:srgbClr val="000000"/>
+              </a:buClr>
+              <a:buSzPts val="1400"/>
+              <a:buFont typeface="Arial"/>
+              <a:buNone/>
+            </a:pPr>
+            <a:endParaRPr sz="1400" b="0" i="0" u="none" strike="noStrike" cap="none">
+              <a:solidFill>
+                <a:srgbClr val="000000"/>
+              </a:solidFill>
+              <a:latin typeface="Arial"/>
+              <a:ea typeface="Arial"/>
+              <a:cs typeface="Arial"/>
+              <a:sym typeface="Arial"/>
+            </a:endParaRPr>
+          </a:p>
+        </p:txBody>
+      </p:sp>
+      <p:sp>
+        <p:nvSpPr>
+          <p:cNvPr id="130" name="Shape 130"/>
+          <p:cNvSpPr txBox="1">
+            <a:spLocks noGrp="1"/>
+          </p:cNvSpPr>
+          <p:nvPr>
+            <p:ph type="body" idx="4294967295"/>
+          </p:nvPr>
+        </p:nvSpPr>
+        <p:spPr>
+          <a:xfrm>
+            <a:off x="2126317" y="2336550"/>
+            <a:ext cx="1315500" cy="470400"/>
+          </a:xfrm>
+          <a:prstGeom prst="rect">
+            <a:avLst/>
+          </a:prstGeom>
+          <a:noFill/>
+          <a:ln>
+            <a:noFill/>
+          </a:ln>
+        </p:spPr>
+        <p:txBody>
+          <a:bodyPr spcFirstLastPara="1" wrap="square" lIns="91425" tIns="91425" rIns="91425" bIns="91425" anchor="ctr" anchorCtr="0">
+            <a:noAutofit/>
+          </a:bodyPr>
+          <a:lstStyle/>
+          <a:p>
+            <a:pPr marL="0" marR="0" lvl="0" indent="0" algn="ctr" rtl="0">
+              <a:lnSpc>
+                <a:spcPct val="100000"/>
+              </a:lnSpc>
+              <a:spcBef>
+                <a:spcPts val="0"/>
+              </a:spcBef>
+              <a:spcAft>
+                <a:spcPts val="0"/>
+              </a:spcAft>
+              <a:buClr>
+                <a:schemeClr val="dk2"/>
+              </a:buClr>
+              <a:buSzPts val="1800"/>
+              <a:buFont typeface="Arial"/>
+              <a:buNone/>
+            </a:pPr>
+            <a:r>
+              <a:rPr lang="en" sz="1600" b="1" i="0" u="none" strike="noStrike" cap="none">
+                <a:solidFill>
+                  <a:schemeClr val="lt1"/>
+                </a:solidFill>
+                <a:latin typeface="Arial"/>
+                <a:ea typeface="Arial"/>
+                <a:cs typeface="Arial"/>
+                <a:sym typeface="Arial"/>
+              </a:rPr>
+              <a:t>28.17.08</a:t>
+            </a:r>
+            <a:endParaRPr sz="1600" b="1" i="0" u="none" strike="noStrike" cap="none">
+              <a:solidFill>
+                <a:schemeClr val="lt1"/>
+              </a:solidFill>
+              <a:latin typeface="Arial"/>
+              <a:ea typeface="Arial"/>
+              <a:cs typeface="Arial"/>
+              <a:sym typeface="Arial"/>
+            </a:endParaRPr>
+          </a:p>
+        </p:txBody>
+      </p:sp>
+      <p:grpSp>
+        <p:nvGrpSpPr>
+          <p:cNvPr id="131" name="Shape 131"/>
+          <p:cNvGrpSpPr/>
+          <p:nvPr/>
+        </p:nvGrpSpPr>
+        <p:grpSpPr>
+          <a:xfrm>
+            <a:off x="2684632" y="2938958"/>
+            <a:ext cx="198900" cy="593656"/>
+            <a:chOff x="2223534" y="2938958"/>
+            <a:chExt cx="198900" cy="593656"/>
+          </a:xfrm>
+        </p:grpSpPr>
+        <p:cxnSp>
+          <p:nvCxnSpPr>
+            <p:cNvPr id="132" name="Shape 132"/>
+            <p:cNvCxnSpPr/>
+            <p:nvPr/>
+          </p:nvCxnSpPr>
+          <p:spPr>
+            <a:xfrm rot="10800000">
+              <a:off x="2322997" y="2938958"/>
+              <a:ext cx="0" cy="554700"/>
+            </a:xfrm>
+            <a:prstGeom prst="straightConnector1">
+              <a:avLst/>
+            </a:prstGeom>
+            <a:noFill/>
+            <a:ln w="9525" cap="flat" cmpd="sng">
+              <a:solidFill>
+                <a:schemeClr val="dk2"/>
+              </a:solidFill>
+              <a:prstDash val="solid"/>
+              <a:round/>
+              <a:headEnd type="none" w="sm" len="sm"/>
+              <a:tailEnd type="none" w="sm" len="sm"/>
+            </a:ln>
+          </p:spPr>
+        </p:cxnSp>
+        <p:sp>
+          <p:nvSpPr>
+            <p:cNvPr id="133" name="Shape 133"/>
+            <p:cNvSpPr/>
+            <p:nvPr/>
+          </p:nvSpPr>
+          <p:spPr>
+            <a:xfrm rot="10800000" flipH="1">
+              <a:off x="2223534" y="3333714"/>
+              <a:ext cx="198900" cy="198900"/>
+            </a:xfrm>
+            <a:prstGeom prst="ellipse">
+              <a:avLst/>
+            </a:prstGeom>
+            <a:solidFill>
+              <a:schemeClr val="dk1"/>
+            </a:solidFill>
+            <a:ln>
+              <a:noFill/>
+            </a:ln>
+          </p:spPr>
+          <p:txBody>
+            <a:bodyPr spcFirstLastPara="1" wrap="square" lIns="91425" tIns="91425" rIns="91425" bIns="91425" anchor="ctr" anchorCtr="0">
+              <a:noAutofit/>
+            </a:bodyPr>
+            <a:lstStyle/>
+            <a:p>
+              <a:pPr marL="0" marR="0" lvl="0" indent="0" algn="l" rtl="0">
+                <a:lnSpc>
+                  <a:spcPct val="100000"/>
+                </a:lnSpc>
+                <a:spcBef>
+                  <a:spcPts val="0"/>
+                </a:spcBef>
+                <a:spcAft>
+                  <a:spcPts val="0"/>
+                </a:spcAft>
+                <a:buClr>
+                  <a:srgbClr val="000000"/>
+                </a:buClr>
+                <a:buSzPts val="1400"/>
+                <a:buFont typeface="Arial"/>
+                <a:buNone/>
+              </a:pPr>
+              <a:endParaRPr sz="1400" b="0" i="0" u="none" strike="noStrike" cap="none">
+                <a:solidFill>
+                  <a:srgbClr val="000000"/>
+                </a:solidFill>
+                <a:latin typeface="Arial"/>
+                <a:ea typeface="Arial"/>
+                <a:cs typeface="Arial"/>
+                <a:sym typeface="Arial"/>
+              </a:endParaRPr>
+            </a:p>
+          </p:txBody>
+        </p:sp>
+      </p:grpSp>
+      <p:sp>
+        <p:nvSpPr>
+          <p:cNvPr id="134" name="Shape 134"/>
+          <p:cNvSpPr txBox="1">
+            <a:spLocks noGrp="1"/>
+          </p:cNvSpPr>
+          <p:nvPr>
+            <p:ph type="body" idx="4294967295"/>
+          </p:nvPr>
+        </p:nvSpPr>
+        <p:spPr>
+          <a:xfrm>
+            <a:off x="1244337" y="3757725"/>
+            <a:ext cx="2772762" cy="906300"/>
+          </a:xfrm>
+          <a:prstGeom prst="rect">
+            <a:avLst/>
+          </a:prstGeom>
+          <a:noFill/>
+          <a:ln>
+            <a:noFill/>
+          </a:ln>
+        </p:spPr>
+        <p:txBody>
+          <a:bodyPr spcFirstLastPara="1" wrap="square" lIns="91425" tIns="91425" rIns="91425" bIns="91425" anchor="t" anchorCtr="0">
+            <a:noAutofit/>
+          </a:bodyPr>
+          <a:lstStyle/>
+          <a:p>
+            <a:pPr marL="0" marR="0" lvl="0" indent="0" algn="l" rtl="0">
+              <a:lnSpc>
+                <a:spcPct val="115000"/>
+              </a:lnSpc>
+              <a:spcBef>
+                <a:spcPts val="0"/>
+              </a:spcBef>
+              <a:spcAft>
+                <a:spcPts val="1600"/>
+              </a:spcAft>
+              <a:buClr>
+                <a:schemeClr val="dk2"/>
+              </a:buClr>
+              <a:buSzPts val="1800"/>
+              <a:buFont typeface="Arial"/>
+              <a:buNone/>
+            </a:pPr>
+            <a:r>
+              <a:rPr lang="en" sz="1600" b="0" i="0" u="none" strike="noStrike" cap="none">
+                <a:solidFill>
+                  <a:srgbClr val="FF9900"/>
+                </a:solidFill>
+                <a:latin typeface="Arial"/>
+                <a:ea typeface="Arial"/>
+                <a:cs typeface="Arial"/>
+                <a:sym typeface="Arial"/>
+              </a:rPr>
+              <a:t>Priprava stabilne različice rešitve in enotnega uporabniškega vmesnika</a:t>
+            </a:r>
+            <a:endParaRPr sz="1600" b="0" i="0" u="none" strike="noStrike" cap="none">
+              <a:solidFill>
+                <a:srgbClr val="FF9900"/>
+              </a:solidFill>
+              <a:latin typeface="Arial"/>
+              <a:ea typeface="Arial"/>
+              <a:cs typeface="Arial"/>
+              <a:sym typeface="Arial"/>
+            </a:endParaRPr>
+          </a:p>
+        </p:txBody>
+      </p:sp>
+      <p:sp>
+        <p:nvSpPr>
+          <p:cNvPr id="135" name="Shape 135" descr="Background pointer shape in timeline graphic"/>
+          <p:cNvSpPr/>
+          <p:nvPr/>
+        </p:nvSpPr>
+        <p:spPr>
+          <a:xfrm>
+            <a:off x="3471973" y="2199000"/>
+            <a:ext cx="2051100" cy="745500"/>
+          </a:xfrm>
+          <a:prstGeom prst="chevron">
+            <a:avLst>
+              <a:gd name="adj" fmla="val 50000"/>
+            </a:avLst>
+          </a:prstGeom>
+          <a:solidFill>
+            <a:schemeClr val="dk1"/>
+          </a:solidFill>
+          <a:ln w="9525" cap="flat" cmpd="sng">
+            <a:solidFill>
+              <a:schemeClr val="lt1"/>
+            </a:solidFill>
+            <a:prstDash val="solid"/>
+            <a:round/>
+            <a:headEnd type="none" w="sm" len="sm"/>
+            <a:tailEnd type="none" w="sm" len="sm"/>
+          </a:ln>
+        </p:spPr>
+        <p:txBody>
+          <a:bodyPr spcFirstLastPara="1" wrap="square" lIns="121875" tIns="121875" rIns="121875" bIns="121875" anchor="ctr" anchorCtr="0">
+            <a:noAutofit/>
+          </a:bodyPr>
+          <a:lstStyle/>
+          <a:p>
+            <a:pPr marL="0" marR="0" lvl="0" indent="0" algn="l" rtl="0">
+              <a:lnSpc>
+                <a:spcPct val="100000"/>
+              </a:lnSpc>
+              <a:spcBef>
+                <a:spcPts val="0"/>
+              </a:spcBef>
+              <a:spcAft>
+                <a:spcPts val="0"/>
+              </a:spcAft>
+              <a:buClr>
+                <a:srgbClr val="000000"/>
+              </a:buClr>
+              <a:buSzPts val="1400"/>
+              <a:buFont typeface="Arial"/>
+              <a:buNone/>
+            </a:pPr>
+            <a:endParaRPr sz="1400" b="0" i="0" u="none" strike="noStrike" cap="none">
+              <a:solidFill>
+                <a:srgbClr val="000000"/>
+              </a:solidFill>
+              <a:latin typeface="Arial"/>
+              <a:ea typeface="Arial"/>
+              <a:cs typeface="Arial"/>
+              <a:sym typeface="Arial"/>
+            </a:endParaRPr>
+          </a:p>
+        </p:txBody>
+      </p:sp>
+      <p:sp>
+        <p:nvSpPr>
+          <p:cNvPr id="136" name="Shape 136"/>
+          <p:cNvSpPr txBox="1">
+            <a:spLocks noGrp="1"/>
+          </p:cNvSpPr>
+          <p:nvPr>
+            <p:ph type="body" idx="4294967295"/>
+          </p:nvPr>
+        </p:nvSpPr>
+        <p:spPr>
+          <a:xfrm>
+            <a:off x="3767755" y="2336550"/>
+            <a:ext cx="1315500" cy="470400"/>
+          </a:xfrm>
+          <a:prstGeom prst="rect">
+            <a:avLst/>
+          </a:prstGeom>
+          <a:noFill/>
+          <a:ln>
+            <a:noFill/>
+          </a:ln>
+        </p:spPr>
+        <p:txBody>
+          <a:bodyPr spcFirstLastPara="1" wrap="square" lIns="91425" tIns="91425" rIns="91425" bIns="91425" anchor="ctr" anchorCtr="0">
+            <a:noAutofit/>
+          </a:bodyPr>
+          <a:lstStyle/>
+          <a:p>
+            <a:pPr marL="0" marR="0" lvl="0" indent="0" algn="ctr" rtl="0">
+              <a:lnSpc>
+                <a:spcPct val="100000"/>
+              </a:lnSpc>
+              <a:spcBef>
+                <a:spcPts val="0"/>
+              </a:spcBef>
+              <a:spcAft>
+                <a:spcPts val="0"/>
+              </a:spcAft>
+              <a:buClr>
+                <a:schemeClr val="dk2"/>
+              </a:buClr>
+              <a:buSzPts val="1800"/>
+              <a:buFont typeface="Arial"/>
+              <a:buNone/>
+            </a:pPr>
+            <a:r>
+              <a:rPr lang="en" sz="1600" b="1" i="0" u="none" strike="noStrike" cap="none">
+                <a:solidFill>
+                  <a:schemeClr val="lt1"/>
+                </a:solidFill>
+                <a:latin typeface="Arial"/>
+                <a:ea typeface="Arial"/>
+                <a:cs typeface="Arial"/>
+                <a:sym typeface="Arial"/>
+              </a:rPr>
+              <a:t>4.6.08</a:t>
+            </a:r>
+            <a:endParaRPr sz="1600" b="1" i="0" u="none" strike="noStrike" cap="none">
+              <a:solidFill>
+                <a:schemeClr val="lt1"/>
+              </a:solidFill>
+              <a:latin typeface="Arial"/>
+              <a:ea typeface="Arial"/>
+              <a:cs typeface="Arial"/>
+              <a:sym typeface="Arial"/>
+            </a:endParaRPr>
+          </a:p>
+        </p:txBody>
+      </p:sp>
+      <p:grpSp>
+        <p:nvGrpSpPr>
+          <p:cNvPr id="137" name="Shape 137"/>
+          <p:cNvGrpSpPr/>
+          <p:nvPr/>
+        </p:nvGrpSpPr>
+        <p:grpSpPr>
+          <a:xfrm>
+            <a:off x="4319545" y="1610215"/>
+            <a:ext cx="198900" cy="593656"/>
+            <a:chOff x="3918084" y="1610215"/>
+            <a:chExt cx="198900" cy="593656"/>
+          </a:xfrm>
+        </p:grpSpPr>
+        <p:cxnSp>
+          <p:nvCxnSpPr>
+            <p:cNvPr id="138" name="Shape 138"/>
+            <p:cNvCxnSpPr/>
+            <p:nvPr/>
+          </p:nvCxnSpPr>
+          <p:spPr>
+            <a:xfrm>
+              <a:off x="4017546" y="1649171"/>
+              <a:ext cx="0" cy="554700"/>
+            </a:xfrm>
+            <a:prstGeom prst="straightConnector1">
+              <a:avLst/>
+            </a:prstGeom>
+            <a:noFill/>
+            <a:ln w="9525" cap="flat" cmpd="sng">
+              <a:solidFill>
+                <a:schemeClr val="dk2"/>
+              </a:solidFill>
+              <a:prstDash val="solid"/>
+              <a:round/>
+              <a:headEnd type="none" w="sm" len="sm"/>
+              <a:tailEnd type="none" w="sm" len="sm"/>
+            </a:ln>
+          </p:spPr>
+        </p:cxnSp>
+        <p:sp>
+          <p:nvSpPr>
+            <p:cNvPr id="139" name="Shape 139"/>
+            <p:cNvSpPr/>
+            <p:nvPr/>
+          </p:nvSpPr>
+          <p:spPr>
+            <a:xfrm>
+              <a:off x="3918084" y="1610215"/>
+              <a:ext cx="198900" cy="198900"/>
+            </a:xfrm>
+            <a:prstGeom prst="ellipse">
+              <a:avLst/>
+            </a:prstGeom>
+            <a:solidFill>
+              <a:schemeClr val="dk1"/>
+            </a:solidFill>
+            <a:ln>
+              <a:noFill/>
+            </a:ln>
+          </p:spPr>
+          <p:txBody>
+            <a:bodyPr spcFirstLastPara="1" wrap="square" lIns="91425" tIns="91425" rIns="91425" bIns="91425" anchor="ctr" anchorCtr="0">
+              <a:noAutofit/>
+            </a:bodyPr>
+            <a:lstStyle/>
+            <a:p>
+              <a:pPr marL="0" marR="0" lvl="0" indent="0" algn="l" rtl="0">
+                <a:lnSpc>
+                  <a:spcPct val="100000"/>
+                </a:lnSpc>
+                <a:spcBef>
+                  <a:spcPts val="0"/>
+                </a:spcBef>
+                <a:spcAft>
+                  <a:spcPts val="0"/>
+                </a:spcAft>
+                <a:buClr>
+                  <a:srgbClr val="000000"/>
+                </a:buClr>
+                <a:buSzPts val="1400"/>
+                <a:buFont typeface="Arial"/>
+                <a:buNone/>
+              </a:pPr>
+              <a:endParaRPr sz="1400" b="0" i="0" u="none" strike="noStrike" cap="none">
+                <a:solidFill>
+                  <a:srgbClr val="000000"/>
+                </a:solidFill>
+                <a:latin typeface="Arial"/>
+                <a:ea typeface="Arial"/>
+                <a:cs typeface="Arial"/>
+                <a:sym typeface="Arial"/>
+              </a:endParaRPr>
+            </a:p>
+          </p:txBody>
+        </p:sp>
+      </p:grpSp>
+      <p:sp>
+        <p:nvSpPr>
+          <p:cNvPr id="140" name="Shape 140"/>
+          <p:cNvSpPr txBox="1">
+            <a:spLocks noGrp="1"/>
+          </p:cNvSpPr>
+          <p:nvPr>
+            <p:ph type="body" idx="4294967295"/>
+          </p:nvPr>
+        </p:nvSpPr>
+        <p:spPr>
+          <a:xfrm>
+            <a:off x="3304093" y="385667"/>
+            <a:ext cx="2768439" cy="906300"/>
+          </a:xfrm>
+          <a:prstGeom prst="rect">
+            <a:avLst/>
+          </a:prstGeom>
+          <a:noFill/>
+          <a:ln>
+            <a:noFill/>
+          </a:ln>
+        </p:spPr>
+        <p:txBody>
+          <a:bodyPr spcFirstLastPara="1" wrap="square" lIns="91425" tIns="91425" rIns="91425" bIns="91425" anchor="t" anchorCtr="0">
+            <a:noAutofit/>
+          </a:bodyPr>
+          <a:lstStyle/>
+          <a:p>
+            <a:pPr marL="0" marR="0" lvl="0" indent="0" algn="l" rtl="0">
+              <a:lnSpc>
+                <a:spcPct val="115000"/>
+              </a:lnSpc>
+              <a:spcBef>
+                <a:spcPts val="0"/>
+              </a:spcBef>
+              <a:spcAft>
+                <a:spcPts val="1600"/>
+              </a:spcAft>
+              <a:buClr>
+                <a:schemeClr val="dk2"/>
+              </a:buClr>
+              <a:buSzPts val="1800"/>
+              <a:buFont typeface="Arial"/>
+              <a:buNone/>
+            </a:pPr>
+            <a:r>
+              <a:rPr lang="en" sz="1600" b="0" i="0" u="none" strike="noStrike" cap="none">
+                <a:solidFill>
+                  <a:srgbClr val="FF0000"/>
+                </a:solidFill>
+                <a:latin typeface="Arial"/>
+                <a:ea typeface="Arial"/>
+                <a:cs typeface="Arial"/>
+                <a:sym typeface="Arial"/>
+              </a:rPr>
+              <a:t>Delo na funkcionalnostih in priprava stabilne različice rešitve z omejenim naborom funkcionalnosti</a:t>
+            </a:r>
+            <a:endParaRPr sz="1600" b="0" i="0" u="none" strike="noStrike" cap="none">
+              <a:solidFill>
+                <a:srgbClr val="FF0000"/>
+              </a:solidFill>
+              <a:latin typeface="Arial"/>
+              <a:ea typeface="Arial"/>
+              <a:cs typeface="Arial"/>
+              <a:sym typeface="Arial"/>
+            </a:endParaRPr>
+          </a:p>
+        </p:txBody>
+      </p:sp>
+      <p:sp>
+        <p:nvSpPr>
+          <p:cNvPr id="141" name="Shape 141" descr="Background pointer shape in timeline graphic"/>
+          <p:cNvSpPr/>
+          <p:nvPr/>
+        </p:nvSpPr>
+        <p:spPr>
+          <a:xfrm>
+            <a:off x="5126893" y="2199000"/>
+            <a:ext cx="2051100" cy="745500"/>
+          </a:xfrm>
+          <a:prstGeom prst="chevron">
+            <a:avLst>
+              <a:gd name="adj" fmla="val 50000"/>
+            </a:avLst>
+          </a:prstGeom>
+          <a:solidFill>
+            <a:schemeClr val="dk1"/>
+          </a:solidFill>
+          <a:ln w="9525" cap="flat" cmpd="sng">
+            <a:solidFill>
+              <a:schemeClr val="lt1"/>
+            </a:solidFill>
+            <a:prstDash val="solid"/>
+            <a:round/>
+            <a:headEnd type="none" w="sm" len="sm"/>
+            <a:tailEnd type="none" w="sm" len="sm"/>
+          </a:ln>
+        </p:spPr>
+        <p:txBody>
+          <a:bodyPr spcFirstLastPara="1" wrap="square" lIns="121875" tIns="121875" rIns="121875" bIns="121875" anchor="ctr" anchorCtr="0">
+            <a:noAutofit/>
+          </a:bodyPr>
+          <a:lstStyle/>
+          <a:p>
+            <a:pPr marL="0" marR="0" lvl="0" indent="0" algn="l" rtl="0">
+              <a:lnSpc>
+                <a:spcPct val="100000"/>
+              </a:lnSpc>
+              <a:spcBef>
+                <a:spcPts val="0"/>
+              </a:spcBef>
+              <a:spcAft>
+                <a:spcPts val="0"/>
+              </a:spcAft>
+              <a:buClr>
+                <a:srgbClr val="000000"/>
+              </a:buClr>
+              <a:buSzPts val="1400"/>
+              <a:buFont typeface="Arial"/>
+              <a:buNone/>
+            </a:pPr>
+            <a:endParaRPr sz="1400" b="0" i="0" u="none" strike="noStrike" cap="none">
+              <a:solidFill>
+                <a:srgbClr val="000000"/>
+              </a:solidFill>
+              <a:latin typeface="Arial"/>
+              <a:ea typeface="Arial"/>
+              <a:cs typeface="Arial"/>
+              <a:sym typeface="Arial"/>
+            </a:endParaRPr>
+          </a:p>
+        </p:txBody>
+      </p:sp>
+      <p:sp>
+        <p:nvSpPr>
+          <p:cNvPr id="142" name="Shape 142"/>
+          <p:cNvSpPr txBox="1">
+            <a:spLocks noGrp="1"/>
+          </p:cNvSpPr>
+          <p:nvPr>
+            <p:ph type="body" idx="4294967295"/>
+          </p:nvPr>
+        </p:nvSpPr>
+        <p:spPr>
+          <a:xfrm>
+            <a:off x="5416699" y="2336550"/>
+            <a:ext cx="1315500" cy="470400"/>
+          </a:xfrm>
+          <a:prstGeom prst="rect">
+            <a:avLst/>
+          </a:prstGeom>
+          <a:noFill/>
+          <a:ln>
+            <a:noFill/>
+          </a:ln>
+        </p:spPr>
+        <p:txBody>
+          <a:bodyPr spcFirstLastPara="1" wrap="square" lIns="91425" tIns="91425" rIns="91425" bIns="91425" anchor="ctr" anchorCtr="0">
+            <a:noAutofit/>
+          </a:bodyPr>
+          <a:lstStyle/>
+          <a:p>
+            <a:pPr marL="0" marR="0" lvl="0" indent="0" algn="ctr" rtl="0">
+              <a:lnSpc>
+                <a:spcPct val="100000"/>
+              </a:lnSpc>
+              <a:spcBef>
+                <a:spcPts val="0"/>
+              </a:spcBef>
+              <a:spcAft>
+                <a:spcPts val="0"/>
+              </a:spcAft>
+              <a:buClr>
+                <a:schemeClr val="dk2"/>
+              </a:buClr>
+              <a:buSzPts val="1800"/>
+              <a:buFont typeface="Arial"/>
+              <a:buNone/>
+            </a:pPr>
+            <a:r>
+              <a:rPr lang="en" sz="1600" b="1" i="0" u="none" strike="noStrike" cap="none">
+                <a:solidFill>
+                  <a:schemeClr val="lt1"/>
+                </a:solidFill>
+                <a:latin typeface="Arial"/>
+                <a:ea typeface="Arial"/>
+                <a:cs typeface="Arial"/>
+                <a:sym typeface="Arial"/>
+              </a:rPr>
+              <a:t>11.6.08</a:t>
+            </a:r>
+            <a:endParaRPr sz="1600" b="1" i="0" u="none" strike="noStrike" cap="none">
+              <a:solidFill>
+                <a:schemeClr val="lt1"/>
+              </a:solidFill>
+              <a:latin typeface="Arial"/>
+              <a:ea typeface="Arial"/>
+              <a:cs typeface="Arial"/>
+              <a:sym typeface="Arial"/>
+            </a:endParaRPr>
+          </a:p>
+        </p:txBody>
+      </p:sp>
+      <p:grpSp>
+        <p:nvGrpSpPr>
+          <p:cNvPr id="143" name="Shape 143"/>
+          <p:cNvGrpSpPr/>
+          <p:nvPr/>
+        </p:nvGrpSpPr>
+        <p:grpSpPr>
+          <a:xfrm>
+            <a:off x="5973070" y="2938958"/>
+            <a:ext cx="198900" cy="593656"/>
+            <a:chOff x="5958946" y="2938958"/>
+            <a:chExt cx="198900" cy="593656"/>
+          </a:xfrm>
+        </p:grpSpPr>
+        <p:cxnSp>
+          <p:nvCxnSpPr>
+            <p:cNvPr id="144" name="Shape 144"/>
+            <p:cNvCxnSpPr/>
+            <p:nvPr/>
+          </p:nvCxnSpPr>
+          <p:spPr>
+            <a:xfrm rot="10800000">
+              <a:off x="6058409" y="2938958"/>
+              <a:ext cx="0" cy="554700"/>
+            </a:xfrm>
+            <a:prstGeom prst="straightConnector1">
+              <a:avLst/>
+            </a:prstGeom>
+            <a:noFill/>
+            <a:ln w="9525" cap="flat" cmpd="sng">
+              <a:solidFill>
+                <a:schemeClr val="dk2"/>
+              </a:solidFill>
+              <a:prstDash val="solid"/>
+              <a:round/>
+              <a:headEnd type="none" w="sm" len="sm"/>
+              <a:tailEnd type="none" w="sm" len="sm"/>
+            </a:ln>
+          </p:spPr>
+        </p:cxnSp>
+        <p:sp>
+          <p:nvSpPr>
+            <p:cNvPr id="145" name="Shape 145"/>
+            <p:cNvSpPr/>
+            <p:nvPr/>
+          </p:nvSpPr>
+          <p:spPr>
+            <a:xfrm rot="10800000" flipH="1">
+              <a:off x="5958946" y="3333714"/>
+              <a:ext cx="198900" cy="198900"/>
+            </a:xfrm>
+            <a:prstGeom prst="ellipse">
+              <a:avLst/>
+            </a:prstGeom>
+            <a:solidFill>
+              <a:schemeClr val="dk1"/>
+            </a:solidFill>
+            <a:ln>
+              <a:noFill/>
+            </a:ln>
+          </p:spPr>
+          <p:txBody>
+            <a:bodyPr spcFirstLastPara="1" wrap="square" lIns="91425" tIns="91425" rIns="91425" bIns="91425" anchor="ctr" anchorCtr="0">
+              <a:noAutofit/>
+            </a:bodyPr>
+            <a:lstStyle/>
+            <a:p>
+              <a:pPr marL="0" marR="0" lvl="0" indent="0" algn="l" rtl="0">
+                <a:lnSpc>
+                  <a:spcPct val="100000"/>
+                </a:lnSpc>
+                <a:spcBef>
+                  <a:spcPts val="0"/>
+                </a:spcBef>
+                <a:spcAft>
+                  <a:spcPts val="0"/>
+                </a:spcAft>
+                <a:buClr>
+                  <a:srgbClr val="000000"/>
+                </a:buClr>
+                <a:buSzPts val="1400"/>
+                <a:buFont typeface="Arial"/>
+                <a:buNone/>
+              </a:pPr>
+              <a:endParaRPr sz="1400" b="0" i="0" u="none" strike="noStrike" cap="none">
+                <a:solidFill>
+                  <a:srgbClr val="000000"/>
+                </a:solidFill>
+                <a:latin typeface="Arial"/>
+                <a:ea typeface="Arial"/>
+                <a:cs typeface="Arial"/>
+                <a:sym typeface="Arial"/>
+              </a:endParaRPr>
+            </a:p>
+          </p:txBody>
+        </p:sp>
+      </p:grpSp>
+      <p:sp>
+        <p:nvSpPr>
+          <p:cNvPr id="146" name="Shape 146"/>
+          <p:cNvSpPr txBox="1">
+            <a:spLocks noGrp="1"/>
+          </p:cNvSpPr>
+          <p:nvPr>
+            <p:ph type="body" idx="4294967295"/>
+          </p:nvPr>
+        </p:nvSpPr>
+        <p:spPr>
+          <a:xfrm>
+            <a:off x="5126901" y="3757725"/>
+            <a:ext cx="2642367" cy="906300"/>
+          </a:xfrm>
+          <a:prstGeom prst="rect">
+            <a:avLst/>
+          </a:prstGeom>
+          <a:noFill/>
+          <a:ln>
+            <a:noFill/>
+          </a:ln>
+        </p:spPr>
+        <p:txBody>
+          <a:bodyPr spcFirstLastPara="1" wrap="square" lIns="91425" tIns="91425" rIns="91425" bIns="91425" anchor="t" anchorCtr="0">
+            <a:noAutofit/>
+          </a:bodyPr>
+          <a:lstStyle/>
+          <a:p>
+            <a:pPr marL="0" marR="0" lvl="0" indent="0" algn="l" rtl="0">
+              <a:lnSpc>
+                <a:spcPct val="115000"/>
+              </a:lnSpc>
+              <a:spcBef>
+                <a:spcPts val="0"/>
+              </a:spcBef>
+              <a:spcAft>
+                <a:spcPts val="1600"/>
+              </a:spcAft>
+              <a:buClr>
+                <a:schemeClr val="dk2"/>
+              </a:buClr>
+              <a:buSzPts val="1800"/>
+              <a:buFont typeface="Arial"/>
+              <a:buNone/>
+            </a:pPr>
+            <a:r>
+              <a:rPr lang="en" sz="1600" b="0" i="0" u="none" strike="noStrike" cap="none">
+                <a:solidFill>
+                  <a:srgbClr val="FF0000"/>
+                </a:solidFill>
+                <a:latin typeface="Arial"/>
+                <a:ea typeface="Arial"/>
+                <a:cs typeface="Arial"/>
+                <a:sym typeface="Arial"/>
+              </a:rPr>
+              <a:t>Delo na funkcionalnostih, pripravljena RC različica rešitve z vsemi funkcionalnostmi</a:t>
+            </a:r>
+            <a:endParaRPr sz="1600" b="0" i="0" u="none" strike="noStrike" cap="none">
+              <a:solidFill>
+                <a:srgbClr val="FF0000"/>
+              </a:solidFill>
+              <a:latin typeface="Arial"/>
+              <a:ea typeface="Arial"/>
+              <a:cs typeface="Arial"/>
+              <a:sym typeface="Arial"/>
+            </a:endParaRPr>
+          </a:p>
+        </p:txBody>
+      </p:sp>
+      <p:sp>
+        <p:nvSpPr>
+          <p:cNvPr id="147" name="Shape 147" descr="Background pointer shape in timeline graphic"/>
+          <p:cNvSpPr/>
+          <p:nvPr/>
+        </p:nvSpPr>
+        <p:spPr>
+          <a:xfrm>
+            <a:off x="6781813" y="2199000"/>
+            <a:ext cx="2051100" cy="745500"/>
+          </a:xfrm>
+          <a:prstGeom prst="chevron">
+            <a:avLst>
+              <a:gd name="adj" fmla="val 50000"/>
+            </a:avLst>
+          </a:prstGeom>
+          <a:solidFill>
+            <a:schemeClr val="dk1"/>
+          </a:solidFill>
+          <a:ln w="9525" cap="flat" cmpd="sng">
+            <a:solidFill>
+              <a:schemeClr val="lt1"/>
+            </a:solidFill>
+            <a:prstDash val="solid"/>
+            <a:round/>
+            <a:headEnd type="none" w="sm" len="sm"/>
+            <a:tailEnd type="none" w="sm" len="sm"/>
+          </a:ln>
+        </p:spPr>
+        <p:txBody>
+          <a:bodyPr spcFirstLastPara="1" wrap="square" lIns="121875" tIns="121875" rIns="121875" bIns="121875" anchor="ctr" anchorCtr="0">
+            <a:noAutofit/>
+          </a:bodyPr>
+          <a:lstStyle/>
+          <a:p>
+            <a:pPr marL="0" marR="0" lvl="0" indent="0" algn="l" rtl="0">
+              <a:lnSpc>
+                <a:spcPct val="100000"/>
+              </a:lnSpc>
+              <a:spcBef>
+                <a:spcPts val="0"/>
+              </a:spcBef>
+              <a:spcAft>
+                <a:spcPts val="0"/>
+              </a:spcAft>
+              <a:buClr>
+                <a:srgbClr val="000000"/>
+              </a:buClr>
+              <a:buSzPts val="1400"/>
+              <a:buFont typeface="Arial"/>
+              <a:buNone/>
+            </a:pPr>
+            <a:endParaRPr sz="1400" b="0" i="0" u="none" strike="noStrike" cap="none">
+              <a:solidFill>
+                <a:srgbClr val="000000"/>
+              </a:solidFill>
+              <a:latin typeface="Arial"/>
+              <a:ea typeface="Arial"/>
+              <a:cs typeface="Arial"/>
+              <a:sym typeface="Arial"/>
+            </a:endParaRPr>
+          </a:p>
+        </p:txBody>
+      </p:sp>
+      <p:sp>
+        <p:nvSpPr>
+          <p:cNvPr id="148" name="Shape 148"/>
+          <p:cNvSpPr txBox="1">
+            <a:spLocks noGrp="1"/>
+          </p:cNvSpPr>
+          <p:nvPr>
+            <p:ph type="body" idx="4294967295"/>
+          </p:nvPr>
+        </p:nvSpPr>
+        <p:spPr>
+          <a:xfrm>
+            <a:off x="7111512" y="2336550"/>
+            <a:ext cx="1315500" cy="470400"/>
+          </a:xfrm>
+          <a:prstGeom prst="rect">
+            <a:avLst/>
+          </a:prstGeom>
+          <a:noFill/>
+          <a:ln>
+            <a:noFill/>
+          </a:ln>
+        </p:spPr>
+        <p:txBody>
+          <a:bodyPr spcFirstLastPara="1" wrap="square" lIns="91425" tIns="91425" rIns="91425" bIns="91425" anchor="ctr" anchorCtr="0">
+            <a:noAutofit/>
+          </a:bodyPr>
+          <a:lstStyle/>
+          <a:p>
+            <a:pPr marL="0" marR="0" lvl="0" indent="0" algn="ctr" rtl="0">
+              <a:lnSpc>
+                <a:spcPct val="100000"/>
+              </a:lnSpc>
+              <a:spcBef>
+                <a:spcPts val="0"/>
+              </a:spcBef>
+              <a:spcAft>
+                <a:spcPts val="0"/>
+              </a:spcAft>
+              <a:buClr>
+                <a:schemeClr val="dk2"/>
+              </a:buClr>
+              <a:buSzPts val="1800"/>
+              <a:buFont typeface="Arial"/>
+              <a:buNone/>
+            </a:pPr>
+            <a:r>
+              <a:rPr lang="en" sz="1600" b="1" i="0" u="none" strike="noStrike" cap="none">
+                <a:solidFill>
+                  <a:schemeClr val="lt1"/>
+                </a:solidFill>
+                <a:latin typeface="Arial"/>
+                <a:ea typeface="Arial"/>
+                <a:cs typeface="Arial"/>
+                <a:sym typeface="Arial"/>
+              </a:rPr>
+              <a:t>18.6.08</a:t>
+            </a:r>
+            <a:endParaRPr sz="1600" b="1" i="0" u="none" strike="noStrike" cap="none">
+              <a:solidFill>
+                <a:schemeClr val="lt1"/>
+              </a:solidFill>
+              <a:latin typeface="Arial"/>
+              <a:ea typeface="Arial"/>
+              <a:cs typeface="Arial"/>
+              <a:sym typeface="Arial"/>
+            </a:endParaRPr>
+          </a:p>
+        </p:txBody>
+      </p:sp>
+      <p:grpSp>
+        <p:nvGrpSpPr>
+          <p:cNvPr id="149" name="Shape 149"/>
+          <p:cNvGrpSpPr/>
+          <p:nvPr/>
+        </p:nvGrpSpPr>
+        <p:grpSpPr>
+          <a:xfrm>
+            <a:off x="7669807" y="1610215"/>
+            <a:ext cx="198900" cy="593656"/>
+            <a:chOff x="3918084" y="1610215"/>
+            <a:chExt cx="198900" cy="593656"/>
+          </a:xfrm>
+        </p:grpSpPr>
+        <p:cxnSp>
+          <p:nvCxnSpPr>
+            <p:cNvPr id="150" name="Shape 150"/>
+            <p:cNvCxnSpPr/>
+            <p:nvPr/>
+          </p:nvCxnSpPr>
+          <p:spPr>
+            <a:xfrm>
+              <a:off x="4017546" y="1649171"/>
+              <a:ext cx="0" cy="554700"/>
+            </a:xfrm>
+            <a:prstGeom prst="straightConnector1">
+              <a:avLst/>
+            </a:prstGeom>
+            <a:noFill/>
+            <a:ln w="9525" cap="flat" cmpd="sng">
+              <a:solidFill>
+                <a:schemeClr val="dk2"/>
+              </a:solidFill>
+              <a:prstDash val="solid"/>
+              <a:round/>
+              <a:headEnd type="none" w="sm" len="sm"/>
+              <a:tailEnd type="none" w="sm" len="sm"/>
+            </a:ln>
+          </p:spPr>
+        </p:cxnSp>
+        <p:sp>
+          <p:nvSpPr>
+            <p:cNvPr id="151" name="Shape 151"/>
+            <p:cNvSpPr/>
+            <p:nvPr/>
+          </p:nvSpPr>
+          <p:spPr>
+            <a:xfrm>
+              <a:off x="3918084" y="1610215"/>
+              <a:ext cx="198900" cy="198900"/>
+            </a:xfrm>
+            <a:prstGeom prst="ellipse">
+              <a:avLst/>
+            </a:prstGeom>
+            <a:solidFill>
+              <a:schemeClr val="dk1"/>
+            </a:solidFill>
+            <a:ln>
+              <a:noFill/>
+            </a:ln>
+          </p:spPr>
+          <p:txBody>
+            <a:bodyPr spcFirstLastPara="1" wrap="square" lIns="91425" tIns="91425" rIns="91425" bIns="91425" anchor="ctr" anchorCtr="0">
+              <a:noAutofit/>
+            </a:bodyPr>
+            <a:lstStyle/>
+            <a:p>
+              <a:pPr marL="0" marR="0" lvl="0" indent="0" algn="l" rtl="0">
+                <a:lnSpc>
+                  <a:spcPct val="100000"/>
+                </a:lnSpc>
+                <a:spcBef>
+                  <a:spcPts val="0"/>
+                </a:spcBef>
+                <a:spcAft>
+                  <a:spcPts val="0"/>
+                </a:spcAft>
+                <a:buClr>
+                  <a:srgbClr val="000000"/>
+                </a:buClr>
+                <a:buSzPts val="1400"/>
+                <a:buFont typeface="Arial"/>
+                <a:buNone/>
+              </a:pPr>
+              <a:endParaRPr sz="1400" b="0" i="0" u="none" strike="noStrike" cap="none">
+                <a:solidFill>
+                  <a:srgbClr val="000000"/>
+                </a:solidFill>
+                <a:latin typeface="Arial"/>
+                <a:ea typeface="Arial"/>
+                <a:cs typeface="Arial"/>
+                <a:sym typeface="Arial"/>
+              </a:endParaRPr>
+            </a:p>
+          </p:txBody>
+        </p:sp>
+      </p:grpSp>
+      <p:sp>
+        <p:nvSpPr>
+          <p:cNvPr id="152" name="Shape 152"/>
+          <p:cNvSpPr txBox="1">
+            <a:spLocks noGrp="1"/>
+          </p:cNvSpPr>
+          <p:nvPr>
+            <p:ph type="body" idx="4294967295"/>
+          </p:nvPr>
+        </p:nvSpPr>
+        <p:spPr>
+          <a:xfrm>
+            <a:off x="6464595" y="385667"/>
+            <a:ext cx="2464184" cy="906300"/>
+          </a:xfrm>
+          <a:prstGeom prst="rect">
+            <a:avLst/>
+          </a:prstGeom>
+          <a:noFill/>
+          <a:ln>
+            <a:noFill/>
+          </a:ln>
+        </p:spPr>
+        <p:txBody>
+          <a:bodyPr spcFirstLastPara="1" wrap="square" lIns="91425" tIns="91425" rIns="91425" bIns="91425" anchor="t" anchorCtr="0">
+            <a:noAutofit/>
+          </a:bodyPr>
+          <a:lstStyle/>
+          <a:p>
+            <a:pPr marL="0" marR="0" lvl="0" indent="0" algn="l" rtl="0">
+              <a:lnSpc>
+                <a:spcPct val="115000"/>
+              </a:lnSpc>
+              <a:spcBef>
+                <a:spcPts val="0"/>
+              </a:spcBef>
+              <a:spcAft>
+                <a:spcPts val="1600"/>
+              </a:spcAft>
+              <a:buClr>
+                <a:schemeClr val="dk2"/>
+              </a:buClr>
+              <a:buSzPts val="1800"/>
+              <a:buFont typeface="Arial"/>
+              <a:buNone/>
+            </a:pPr>
+            <a:r>
+              <a:rPr lang="en" sz="1600" b="0" i="0" u="none" strike="noStrike" cap="none">
+                <a:solidFill>
+                  <a:srgbClr val="FF0000"/>
+                </a:solidFill>
+                <a:latin typeface="Arial"/>
+                <a:ea typeface="Arial"/>
+                <a:cs typeface="Arial"/>
+                <a:sym typeface="Arial"/>
+              </a:rPr>
+              <a:t>Testiranje in dopolnjevanje ter popravki končne različice in namestitev na strežnik</a:t>
+            </a:r>
+            <a:endParaRPr sz="1600" b="0" i="0" u="none" strike="noStrike" cap="none">
+              <a:solidFill>
+                <a:srgbClr val="FF0000"/>
+              </a:solidFill>
+              <a:latin typeface="Arial"/>
+              <a:ea typeface="Arial"/>
+              <a:cs typeface="Arial"/>
+              <a:sym typeface="Arial"/>
+            </a:endParaRPr>
+          </a:p>
+        </p:txBody>
+      </p:sp>
+    </p:spTree>
+  </p:cSld>
+  <p:clrMapOvr>
+    <a:masterClrMapping/>
+  </p:clrMapOvr>
+</p:sld>
+</file>
+
+<file path=ppt/slides/slide11.xml><?xml version="1.0" encoding="utf-8"?>
+<p:sld xmlns:a="http://schemas.openxmlformats.org/drawingml/2006/main" xmlns:r="http://schemas.openxmlformats.org/officeDocument/2006/relationships" xmlns:p="http://schemas.openxmlformats.org/presentationml/2006/main">
+  <p:cSld>
+    <p:spTree>
+      <p:nvGrpSpPr>
         <p:cNvPr id="1" name="Shape 156"/>
         <p:cNvGrpSpPr/>
         <p:nvPr/>
@@ -13646,8 +15177,8 @@
         </p:nvSpPr>
         <p:spPr>
           <a:xfrm>
-            <a:off x="1833233" y="1602675"/>
-            <a:ext cx="3071400" cy="3002400"/>
+            <a:off x="1406769" y="1055077"/>
+            <a:ext cx="5613009" cy="4088423"/>
           </a:xfrm>
           <a:prstGeom prst="rect">
             <a:avLst/>
@@ -13721,7 +15252,7 @@
               <a:buChar char="●"/>
             </a:pPr>
             <a:r>
-              <a:rPr lang="en" sz="1600" b="0" i="0" u="none" strike="noStrike" cap="none" dirty="0">
+              <a:rPr lang="en" b="0" i="0" u="none" strike="noStrike" cap="none" dirty="0">
                 <a:solidFill>
                   <a:schemeClr val="dk2"/>
                 </a:solidFill>
@@ -13732,7 +15263,42 @@
               </a:rPr>
               <a:t>Login z Google-om</a:t>
             </a:r>
-            <a:endParaRPr lang="sl-SI" sz="1600" b="0" i="0" u="none" strike="noStrike" cap="none" dirty="0">
+            <a:r>
+              <a:rPr lang="sl-SI" b="0" i="0" u="none" strike="noStrike" cap="none" dirty="0">
+                <a:solidFill>
+                  <a:schemeClr val="dk2"/>
+                </a:solidFill>
+                <a:latin typeface="Arial"/>
+                <a:ea typeface="Arial"/>
+                <a:cs typeface="Arial"/>
+                <a:sym typeface="Arial"/>
+              </a:rPr>
+              <a:t>,</a:t>
+            </a:r>
+          </a:p>
+          <a:p>
+            <a:pPr marL="457200" marR="0" lvl="0" indent="-330200" algn="l" rtl="0">
+              <a:lnSpc>
+                <a:spcPct val="115000"/>
+              </a:lnSpc>
+              <a:spcBef>
+                <a:spcPts val="1600"/>
+              </a:spcBef>
+              <a:spcAft>
+                <a:spcPts val="0"/>
+              </a:spcAft>
+              <a:buClr>
+                <a:schemeClr val="dk2"/>
+              </a:buClr>
+              <a:buSzPts val="1600"/>
+              <a:buFont typeface="Arial"/>
+              <a:buChar char="●"/>
+            </a:pPr>
+            <a:r>
+              <a:rPr lang="sl-SI" dirty="0"/>
+              <a:t>Shranjevanje uporabnikov (prijavljeni z Google računom),</a:t>
+            </a:r>
+            <a:endParaRPr lang="sl-SI" b="0" i="0" u="none" strike="noStrike" cap="none" dirty="0">
               <a:solidFill>
                 <a:schemeClr val="dk2"/>
               </a:solidFill>
@@ -13760,7 +15326,147 @@
               <a:buFont typeface="Arial"/>
               <a:buChar char="●"/>
             </a:pPr>
-            <a:endParaRPr sz="1600" b="0" i="0" u="none" strike="noStrike" cap="none" dirty="0">
+            <a:r>
+              <a:rPr lang="sl-SI" b="0" i="0" u="none" strike="noStrike" cap="none" dirty="0">
+                <a:solidFill>
+                  <a:schemeClr val="dk2"/>
+                </a:solidFill>
+                <a:latin typeface="Arial"/>
+                <a:ea typeface="Arial"/>
+                <a:cs typeface="Arial"/>
+                <a:sym typeface="Arial"/>
+              </a:rPr>
+              <a:t>Dodajanje pooblaščenca in upravljalca,</a:t>
+            </a:r>
+          </a:p>
+          <a:p>
+            <a:pPr marL="457200" marR="0" lvl="0" indent="-330200" algn="l" rtl="0">
+              <a:lnSpc>
+                <a:spcPct val="115000"/>
+              </a:lnSpc>
+              <a:spcBef>
+                <a:spcPts val="1600"/>
+              </a:spcBef>
+              <a:spcAft>
+                <a:spcPts val="0"/>
+              </a:spcAft>
+              <a:buClr>
+                <a:schemeClr val="dk2"/>
+              </a:buClr>
+              <a:buSzPts val="1600"/>
+              <a:buFont typeface="Arial"/>
+              <a:buChar char="●"/>
+            </a:pPr>
+            <a:r>
+              <a:rPr lang="sl-SI" b="0" i="0" u="none" strike="noStrike" cap="none" dirty="0">
+                <a:solidFill>
+                  <a:schemeClr val="dk2"/>
+                </a:solidFill>
+                <a:latin typeface="Arial"/>
+                <a:ea typeface="Arial"/>
+                <a:cs typeface="Arial"/>
+                <a:sym typeface="Arial"/>
+              </a:rPr>
+              <a:t>Seznam privolitev, pooblaščence in upravljalcev</a:t>
+            </a:r>
+          </a:p>
+          <a:p>
+            <a:pPr marL="457200" marR="0" lvl="0" indent="-330200" algn="l" rtl="0">
+              <a:lnSpc>
+                <a:spcPct val="115000"/>
+              </a:lnSpc>
+              <a:spcBef>
+                <a:spcPts val="1600"/>
+              </a:spcBef>
+              <a:spcAft>
+                <a:spcPts val="0"/>
+              </a:spcAft>
+              <a:buClr>
+                <a:schemeClr val="dk2"/>
+              </a:buClr>
+              <a:buSzPts val="1600"/>
+              <a:buFont typeface="Arial"/>
+              <a:buChar char="●"/>
+            </a:pPr>
+            <a:r>
+              <a:rPr lang="sl-SI" b="0" i="0" u="none" strike="noStrike" cap="none" dirty="0" err="1">
+                <a:solidFill>
+                  <a:schemeClr val="dk2"/>
+                </a:solidFill>
+                <a:latin typeface="Arial"/>
+                <a:ea typeface="Arial"/>
+                <a:cs typeface="Arial"/>
+                <a:sym typeface="Arial"/>
+              </a:rPr>
+              <a:t>Search</a:t>
+            </a:r>
+            <a:r>
+              <a:rPr lang="sl-SI" b="0" i="0" u="none" strike="noStrike" cap="none" dirty="0">
+                <a:solidFill>
+                  <a:schemeClr val="dk2"/>
+                </a:solidFill>
+                <a:latin typeface="Arial"/>
+                <a:ea typeface="Arial"/>
+                <a:cs typeface="Arial"/>
+                <a:sym typeface="Arial"/>
+              </a:rPr>
+              <a:t> podpisnikov</a:t>
+            </a:r>
+          </a:p>
+          <a:p>
+            <a:pPr marL="457200" marR="0" lvl="0" indent="-330200" algn="l" rtl="0">
+              <a:lnSpc>
+                <a:spcPct val="115000"/>
+              </a:lnSpc>
+              <a:spcBef>
+                <a:spcPts val="1600"/>
+              </a:spcBef>
+              <a:spcAft>
+                <a:spcPts val="0"/>
+              </a:spcAft>
+              <a:buClr>
+                <a:schemeClr val="dk2"/>
+              </a:buClr>
+              <a:buSzPts val="1600"/>
+              <a:buFont typeface="Arial"/>
+              <a:buChar char="●"/>
+            </a:pPr>
+            <a:r>
+              <a:rPr lang="sl-SI" b="0" i="0" u="none" strike="noStrike" cap="none" dirty="0">
+                <a:solidFill>
+                  <a:schemeClr val="dk2"/>
+                </a:solidFill>
+                <a:latin typeface="Arial"/>
+                <a:ea typeface="Arial"/>
+                <a:cs typeface="Arial"/>
+                <a:sym typeface="Arial"/>
+              </a:rPr>
+              <a:t>Analiza privolitev</a:t>
+            </a:r>
+          </a:p>
+          <a:p>
+            <a:pPr marL="457200" marR="0" lvl="0" indent="-330200" algn="l" rtl="0">
+              <a:lnSpc>
+                <a:spcPct val="115000"/>
+              </a:lnSpc>
+              <a:spcBef>
+                <a:spcPts val="1600"/>
+              </a:spcBef>
+              <a:spcAft>
+                <a:spcPts val="0"/>
+              </a:spcAft>
+              <a:buClr>
+                <a:schemeClr val="dk2"/>
+              </a:buClr>
+              <a:buSzPts val="1600"/>
+              <a:buFont typeface="Arial"/>
+              <a:buChar char="●"/>
+            </a:pPr>
+            <a:r>
+              <a:rPr lang="sl-SI" dirty="0"/>
+              <a:t>README datoteka</a:t>
+            </a:r>
+            <a:endParaRPr b="0" i="0" u="none" strike="noStrike" cap="none" dirty="0">
               <a:solidFill>
                 <a:schemeClr val="dk2"/>
               </a:solidFill>
@@ -13784,8 +15490,8 @@
         </p:nvSpPr>
         <p:spPr>
           <a:xfrm>
-            <a:off x="4834270" y="1602675"/>
-            <a:ext cx="3887702" cy="3002400"/>
+            <a:off x="7181556" y="1232450"/>
+            <a:ext cx="1540293" cy="3335100"/>
           </a:xfrm>
           <a:prstGeom prst="rect">
             <a:avLst/>
@@ -13818,99 +15524,7 @@
               <a:buFont typeface="Arial"/>
               <a:buNone/>
             </a:pPr>
-            <a:r>
-              <a:rPr lang="en" sz="2100" b="1" i="0" u="none" strike="noStrike" cap="none">
-                <a:solidFill>
-                  <a:schemeClr val="dk1"/>
-                </a:solidFill>
-                <a:latin typeface="Arial"/>
-                <a:ea typeface="Arial"/>
-                <a:cs typeface="Arial"/>
-                <a:sym typeface="Arial"/>
-              </a:rPr>
-              <a:t>Izdelek 2</a:t>
-            </a:r>
-            <a:endParaRPr sz="2100" b="1" i="0" u="none" strike="noStrike" cap="none">
-              <a:solidFill>
-                <a:schemeClr val="dk1"/>
-              </a:solidFill>
-              <a:latin typeface="Arial"/>
-              <a:ea typeface="Arial"/>
-              <a:cs typeface="Arial"/>
-              <a:sym typeface="Arial"/>
-            </a:endParaRPr>
-          </a:p>
-          <a:p>
-            <a:pPr marL="457200" marR="0" lvl="0" indent="-330200" algn="l" rtl="0">
-              <a:lnSpc>
-                <a:spcPct val="115000"/>
-              </a:lnSpc>
-              <a:spcBef>
-                <a:spcPts val="1600"/>
-              </a:spcBef>
-              <a:spcAft>
-                <a:spcPts val="0"/>
-              </a:spcAft>
-              <a:buClr>
-                <a:schemeClr val="dk2"/>
-              </a:buClr>
-              <a:buSzPts val="1600"/>
-              <a:buFont typeface="Arial"/>
-              <a:buChar char="●"/>
-            </a:pPr>
-            <a:r>
-              <a:rPr lang="en" sz="1600" b="0" i="0" u="none" strike="noStrike" cap="none">
-                <a:solidFill>
-                  <a:schemeClr val="dk2"/>
-                </a:solidFill>
-                <a:latin typeface="Arial"/>
-                <a:ea typeface="Arial"/>
-                <a:cs typeface="Arial"/>
-                <a:sym typeface="Arial"/>
-              </a:rPr>
-              <a:t>Osnovni pogled</a:t>
-            </a:r>
-            <a:endParaRPr/>
-          </a:p>
-          <a:p>
-            <a:pPr marL="457200" marR="0" lvl="0" indent="-330200" algn="l" rtl="0">
-              <a:lnSpc>
-                <a:spcPct val="115000"/>
-              </a:lnSpc>
-              <a:spcBef>
-                <a:spcPts val="2800"/>
-              </a:spcBef>
-              <a:spcAft>
-                <a:spcPts val="1200"/>
-              </a:spcAft>
-              <a:buClr>
-                <a:schemeClr val="dk2"/>
-              </a:buClr>
-              <a:buSzPts val="1600"/>
-              <a:buFont typeface="Arial"/>
-              <a:buChar char="●"/>
-            </a:pPr>
-            <a:r>
-              <a:rPr lang="en" sz="1600" b="0" i="0" u="none" strike="noStrike" cap="none">
-                <a:solidFill>
-                  <a:schemeClr val="dk2"/>
-                </a:solidFill>
-                <a:latin typeface="Arial"/>
-                <a:ea typeface="Arial"/>
-                <a:cs typeface="Arial"/>
-                <a:sym typeface="Arial"/>
-              </a:rPr>
-              <a:t>Funkcionalnosti: dodajanje privolitev, seznam privolitev, dodajanje upravljavcev, seznam upravljavcev, verzije</a:t>
-            </a:r>
-            <a:endParaRPr sz="1600" b="0" i="0" u="none" strike="noStrike" cap="none">
-              <a:solidFill>
-                <a:schemeClr val="dk2"/>
-              </a:solidFill>
-              <a:latin typeface="Arial"/>
-              <a:ea typeface="Arial"/>
-              <a:cs typeface="Arial"/>
-              <a:sym typeface="Arial"/>
-            </a:endParaRPr>
+            <a:endParaRPr dirty="0"/>
           </a:p>
         </p:txBody>
       </p:sp>
@@ -13951,7 +15565,7 @@
         </p:nvSpPr>
         <p:spPr>
           <a:xfrm>
-            <a:off x="2400250" y="575950"/>
+            <a:off x="233825" y="473049"/>
             <a:ext cx="6321600" cy="635400"/>
           </a:xfrm>
           <a:prstGeom prst="rect">
@@ -13986,7 +15600,7 @@
               <a:buNone/>
             </a:pPr>
             <a:r>
-              <a:rPr lang="en" sz="3000" b="1" i="0" u="none" strike="noStrike" cap="none">
+              <a:rPr lang="en" sz="3000" b="1" i="0" u="none" strike="noStrike" cap="none" dirty="0">
                 <a:solidFill>
                   <a:schemeClr val="dk2"/>
                 </a:solidFill>
@@ -13997,7 +15611,7 @@
               </a:rPr>
               <a:t>Arhitektura</a:t>
             </a:r>
-            <a:endParaRPr sz="3000" b="1" i="0" u="none" strike="noStrike" cap="none">
+            <a:endParaRPr sz="3000" b="1" i="0" u="none" strike="noStrike" cap="none" dirty="0">
               <a:solidFill>
                 <a:schemeClr val="dk2"/>
               </a:solidFill>
@@ -14055,7 +15669,7 @@
               <a:buFont typeface="Arial"/>
               <a:buNone/>
             </a:pPr>
-            <a:endParaRPr sz="1400" b="0" i="0" u="none" strike="noStrike" cap="none">
+            <a:endParaRPr sz="1400" b="0" i="0" u="none" strike="noStrike" cap="none" dirty="0">
               <a:solidFill>
                 <a:schemeClr val="dk2"/>
               </a:solidFill>
@@ -14113,7 +15727,7 @@
               <a:buFont typeface="Arial"/>
               <a:buNone/>
             </a:pPr>
-            <a:endParaRPr sz="1400" b="0" i="0" u="none" strike="noStrike" cap="none">
+            <a:endParaRPr sz="1400" b="0" i="0" u="none" strike="noStrike" cap="none" dirty="0">
               <a:solidFill>
                 <a:schemeClr val="dk2"/>
               </a:solidFill>
@@ -14125,6 +15739,157 @@
           </a:p>
         </p:txBody>
       </p:sp>
+      <p:pic>
+        <p:nvPicPr>
+          <p:cNvPr id="3" name="Slika 2">
+            <a:extLst>
+              <a:ext uri="{FF2B5EF4-FFF2-40B4-BE49-F238E27FC236}">
+                <a16:creationId xmlns:a16="http://schemas.microsoft.com/office/drawing/2014/main" id="{E17DA388-3C34-4EDB-A8ED-D555BFE2195F}"/>
+              </a:ext>
+            </a:extLst>
+          </p:cNvPr>
+          <p:cNvPicPr>
+            <a:picLocks noChangeAspect="1"/>
+          </p:cNvPicPr>
+          <p:nvPr/>
+        </p:nvPicPr>
+        <p:blipFill>
+          <a:blip r:embed="rId3"/>
+          <a:stretch>
+            <a:fillRect/>
+          </a:stretch>
+        </p:blipFill>
+        <p:spPr>
+          <a:xfrm>
+            <a:off x="110087" y="1227232"/>
+            <a:ext cx="4787681" cy="1493166"/>
+          </a:xfrm>
+          <a:prstGeom prst="rect">
+            <a:avLst/>
+          </a:prstGeom>
+          <a:ln>
+            <a:solidFill>
+              <a:schemeClr val="accent1"/>
+            </a:solidFill>
+          </a:ln>
+        </p:spPr>
+      </p:pic>
+      <p:pic>
+        <p:nvPicPr>
+          <p:cNvPr id="4" name="Slika 3">
+            <a:extLst>
+              <a:ext uri="{FF2B5EF4-FFF2-40B4-BE49-F238E27FC236}">
+                <a16:creationId xmlns:a16="http://schemas.microsoft.com/office/drawing/2014/main" id="{3BC00F05-0A20-483C-9681-A807781EEC6C}"/>
+              </a:ext>
+            </a:extLst>
+          </p:cNvPr>
+          <p:cNvPicPr>
+            <a:picLocks noChangeAspect="1"/>
+          </p:cNvPicPr>
+          <p:nvPr/>
+        </p:nvPicPr>
+        <p:blipFill>
+          <a:blip r:embed="rId4"/>
+          <a:stretch>
+            <a:fillRect/>
+          </a:stretch>
+        </p:blipFill>
+        <p:spPr>
+          <a:xfrm>
+            <a:off x="4774029" y="851046"/>
+            <a:ext cx="4136146" cy="3943197"/>
+          </a:xfrm>
+          <a:prstGeom prst="rect">
+            <a:avLst/>
+          </a:prstGeom>
+          <a:ln>
+            <a:solidFill>
+              <a:schemeClr val="accent1"/>
+            </a:solidFill>
+          </a:ln>
+        </p:spPr>
+      </p:pic>
+      <p:pic>
+        <p:nvPicPr>
+          <p:cNvPr id="5" name="Slika 4">
+            <a:extLst>
+              <a:ext uri="{FF2B5EF4-FFF2-40B4-BE49-F238E27FC236}">
+                <a16:creationId xmlns:a16="http://schemas.microsoft.com/office/drawing/2014/main" id="{B136381B-3B02-44C3-8FD0-5DF27889FF35}"/>
+              </a:ext>
+            </a:extLst>
+          </p:cNvPr>
+          <p:cNvPicPr>
+            <a:picLocks noChangeAspect="1"/>
+          </p:cNvPicPr>
+          <p:nvPr/>
+        </p:nvPicPr>
+        <p:blipFill>
+          <a:blip r:embed="rId5"/>
+          <a:stretch>
+            <a:fillRect/>
+          </a:stretch>
+        </p:blipFill>
+        <p:spPr>
+          <a:xfrm>
+            <a:off x="1560680" y="2669940"/>
+            <a:ext cx="3309870" cy="2310578"/>
+          </a:xfrm>
+          <a:prstGeom prst="rect">
+            <a:avLst/>
+          </a:prstGeom>
+          <a:ln>
+            <a:solidFill>
+              <a:schemeClr val="accent1"/>
+            </a:solidFill>
+          </a:ln>
+        </p:spPr>
+      </p:pic>
+      <p:cxnSp>
+        <p:nvCxnSpPr>
+          <p:cNvPr id="8" name="Povezovalnik: ukrivljeno 7">
+            <a:extLst>
+              <a:ext uri="{FF2B5EF4-FFF2-40B4-BE49-F238E27FC236}">
+                <a16:creationId xmlns:a16="http://schemas.microsoft.com/office/drawing/2014/main" id="{14527224-D718-40E0-B862-383643EA1C59}"/>
+              </a:ext>
+            </a:extLst>
+          </p:cNvPr>
+          <p:cNvCxnSpPr>
+            <a:cxnSpLocks/>
+          </p:cNvCxnSpPr>
+          <p:nvPr/>
+        </p:nvCxnSpPr>
+        <p:spPr>
+          <a:xfrm rot="10800000">
+            <a:off x="4319664" y="3581079"/>
+            <a:ext cx="2482948" cy="1308295"/>
+          </a:xfrm>
+          <a:prstGeom prst="curvedConnector3">
+            <a:avLst>
+              <a:gd name="adj1" fmla="val 61331"/>
+            </a:avLst>
+          </a:prstGeom>
+          <a:ln>
+            <a:solidFill>
+              <a:srgbClr val="FF0000"/>
+            </a:solidFill>
+            <a:tailEnd type="triangle"/>
+          </a:ln>
+        </p:spPr>
+        <p:style>
+          <a:lnRef idx="1">
+            <a:schemeClr val="dk1"/>
+          </a:lnRef>
+          <a:fillRef idx="0">
+            <a:schemeClr val="dk1"/>
+          </a:fillRef>
+          <a:effectRef idx="0">
+            <a:schemeClr val="dk1"/>
+          </a:effectRef>
+          <a:fontRef idx="minor">
+            <a:schemeClr val="tx1"/>
+          </a:fontRef>
+        </p:style>
+      </p:cxnSp>
     </p:spTree>
   </p:cSld>
   <p:clrMapOvr>
@@ -14134,6 +15899,251 @@
 </file>
 
 <file path=ppt/slides/slide5.xml><?xml version="1.0" encoding="utf-8"?>
+<p:sld xmlns:a="http://schemas.openxmlformats.org/drawingml/2006/main" xmlns:r="http://schemas.openxmlformats.org/officeDocument/2006/relationships" xmlns:p="http://schemas.openxmlformats.org/presentationml/2006/main">
+  <p:cSld>
+    <p:spTree>
+      <p:nvGrpSpPr>
+        <p:cNvPr id="1" name=""/>
+        <p:cNvGrpSpPr/>
+        <p:nvPr/>
+      </p:nvGrpSpPr>
+      <p:grpSpPr>
+        <a:xfrm>
+          <a:off x="0" y="0"/>
+          <a:ext cx="0" cy="0"/>
+          <a:chOff x="0" y="0"/>
+          <a:chExt cx="0" cy="0"/>
+        </a:xfrm>
+      </p:grpSpPr>
+      <p:sp>
+        <p:nvSpPr>
+          <p:cNvPr id="2" name="Naslov 1">
+            <a:extLst>
+              <a:ext uri="{FF2B5EF4-FFF2-40B4-BE49-F238E27FC236}">
+                <a16:creationId xmlns:a16="http://schemas.microsoft.com/office/drawing/2014/main" id="{1BDAFBF3-FC7B-4043-99A6-BE1062AC0EAD}"/>
+              </a:ext>
+            </a:extLst>
+          </p:cNvPr>
+          <p:cNvSpPr>
+            <a:spLocks noGrp="1"/>
+          </p:cNvSpPr>
+          <p:nvPr>
+            <p:ph type="title"/>
+          </p:nvPr>
+        </p:nvSpPr>
+        <p:spPr/>
+        <p:txBody>
+          <a:bodyPr/>
+          <a:lstStyle/>
+          <a:p>
+            <a:endParaRPr lang="sl-SI"/>
+          </a:p>
+        </p:txBody>
+      </p:sp>
+      <p:sp>
+        <p:nvSpPr>
+          <p:cNvPr id="3" name="Označba mesta besedila 2">
+            <a:extLst>
+              <a:ext uri="{FF2B5EF4-FFF2-40B4-BE49-F238E27FC236}">
+                <a16:creationId xmlns:a16="http://schemas.microsoft.com/office/drawing/2014/main" id="{FB2D5056-EF1C-485F-A98C-20E11BFFC605}"/>
+              </a:ext>
+            </a:extLst>
+          </p:cNvPr>
+          <p:cNvSpPr>
+            <a:spLocks noGrp="1"/>
+          </p:cNvSpPr>
+          <p:nvPr>
+            <p:ph type="body" idx="1"/>
+          </p:nvPr>
+        </p:nvSpPr>
+        <p:spPr/>
+        <p:txBody>
+          <a:bodyPr/>
+          <a:lstStyle/>
+          <a:p>
+            <a:endParaRPr lang="sl-SI" dirty="0"/>
+          </a:p>
+        </p:txBody>
+      </p:sp>
+      <p:sp>
+        <p:nvSpPr>
+          <p:cNvPr id="4" name="Označba mesta besedila 3">
+            <a:extLst>
+              <a:ext uri="{FF2B5EF4-FFF2-40B4-BE49-F238E27FC236}">
+                <a16:creationId xmlns:a16="http://schemas.microsoft.com/office/drawing/2014/main" id="{1DE9BA25-5E66-4876-8D32-F6CF5CBD0648}"/>
+              </a:ext>
+            </a:extLst>
+          </p:cNvPr>
+          <p:cNvSpPr>
+            <a:spLocks noGrp="1"/>
+          </p:cNvSpPr>
+          <p:nvPr>
+            <p:ph type="body" idx="2"/>
+          </p:nvPr>
+        </p:nvSpPr>
+        <p:spPr/>
+        <p:txBody>
+          <a:bodyPr/>
+          <a:lstStyle/>
+          <a:p>
+            <a:endParaRPr lang="sl-SI"/>
+          </a:p>
+        </p:txBody>
+      </p:sp>
+      <p:pic>
+        <p:nvPicPr>
+          <p:cNvPr id="5" name="Slika 4">
+            <a:extLst>
+              <a:ext uri="{FF2B5EF4-FFF2-40B4-BE49-F238E27FC236}">
+                <a16:creationId xmlns:a16="http://schemas.microsoft.com/office/drawing/2014/main" id="{C4EEF038-488C-42B2-B12C-87026B0A7B11}"/>
+              </a:ext>
+            </a:extLst>
+          </p:cNvPr>
+          <p:cNvPicPr>
+            <a:picLocks noChangeAspect="1"/>
+          </p:cNvPicPr>
+          <p:nvPr/>
+        </p:nvPicPr>
+        <p:blipFill>
+          <a:blip r:embed="rId2"/>
+          <a:stretch>
+            <a:fillRect/>
+          </a:stretch>
+        </p:blipFill>
+        <p:spPr>
+          <a:xfrm>
+            <a:off x="422028" y="53050"/>
+            <a:ext cx="8340819" cy="1870919"/>
+          </a:xfrm>
+          <a:prstGeom prst="rect">
+            <a:avLst/>
+          </a:prstGeom>
+          <a:ln>
+            <a:solidFill>
+              <a:schemeClr val="accent1"/>
+            </a:solidFill>
+          </a:ln>
+        </p:spPr>
+      </p:pic>
+      <p:pic>
+        <p:nvPicPr>
+          <p:cNvPr id="6" name="Slika 5">
+            <a:extLst>
+              <a:ext uri="{FF2B5EF4-FFF2-40B4-BE49-F238E27FC236}">
+                <a16:creationId xmlns:a16="http://schemas.microsoft.com/office/drawing/2014/main" id="{4687D75C-105D-452D-9AB3-BA7D689A4BCC}"/>
+              </a:ext>
+            </a:extLst>
+          </p:cNvPr>
+          <p:cNvPicPr>
+            <a:picLocks noChangeAspect="1"/>
+          </p:cNvPicPr>
+          <p:nvPr/>
+        </p:nvPicPr>
+        <p:blipFill>
+          <a:blip r:embed="rId3"/>
+          <a:stretch>
+            <a:fillRect/>
+          </a:stretch>
+        </p:blipFill>
+        <p:spPr>
+          <a:xfrm>
+            <a:off x="189638" y="1582042"/>
+            <a:ext cx="4094733" cy="1966989"/>
+          </a:xfrm>
+          <a:prstGeom prst="rect">
+            <a:avLst/>
+          </a:prstGeom>
+          <a:ln>
+            <a:solidFill>
+              <a:schemeClr val="accent1"/>
+            </a:solidFill>
+          </a:ln>
+        </p:spPr>
+      </p:pic>
+      <p:pic>
+        <p:nvPicPr>
+          <p:cNvPr id="7" name="Slika 6">
+            <a:extLst>
+              <a:ext uri="{FF2B5EF4-FFF2-40B4-BE49-F238E27FC236}">
+                <a16:creationId xmlns:a16="http://schemas.microsoft.com/office/drawing/2014/main" id="{8D5B1AB3-8A7F-49F6-A424-7E4C0DC0234B}"/>
+              </a:ext>
+            </a:extLst>
+          </p:cNvPr>
+          <p:cNvPicPr>
+            <a:picLocks noChangeAspect="1"/>
+          </p:cNvPicPr>
+          <p:nvPr/>
+        </p:nvPicPr>
+        <p:blipFill>
+          <a:blip r:embed="rId4"/>
+          <a:stretch>
+            <a:fillRect/>
+          </a:stretch>
+        </p:blipFill>
+        <p:spPr>
+          <a:xfrm>
+            <a:off x="620016" y="3473594"/>
+            <a:ext cx="8393685" cy="1590244"/>
+          </a:xfrm>
+          <a:prstGeom prst="rect">
+            <a:avLst/>
+          </a:prstGeom>
+          <a:ln>
+            <a:solidFill>
+              <a:schemeClr val="accent1"/>
+            </a:solidFill>
+          </a:ln>
+        </p:spPr>
+      </p:pic>
+      <p:pic>
+        <p:nvPicPr>
+          <p:cNvPr id="8" name="Slika 7">
+            <a:extLst>
+              <a:ext uri="{FF2B5EF4-FFF2-40B4-BE49-F238E27FC236}">
+                <a16:creationId xmlns:a16="http://schemas.microsoft.com/office/drawing/2014/main" id="{2F7082F4-7A72-4183-8B07-D5C4F2CB9394}"/>
+              </a:ext>
+            </a:extLst>
+          </p:cNvPr>
+          <p:cNvPicPr>
+            <a:picLocks noChangeAspect="1"/>
+          </p:cNvPicPr>
+          <p:nvPr/>
+        </p:nvPicPr>
+        <p:blipFill>
+          <a:blip r:embed="rId5"/>
+          <a:stretch>
+            <a:fillRect/>
+          </a:stretch>
+        </p:blipFill>
+        <p:spPr>
+          <a:xfrm>
+            <a:off x="5202732" y="1848532"/>
+            <a:ext cx="3723413" cy="1684199"/>
+          </a:xfrm>
+          <a:prstGeom prst="rect">
+            <a:avLst/>
+          </a:prstGeom>
+          <a:ln>
+            <a:solidFill>
+              <a:schemeClr val="accent1"/>
+            </a:solidFill>
+          </a:ln>
+        </p:spPr>
+      </p:pic>
+    </p:spTree>
+    <p:extLst>
+      <p:ext uri="{BB962C8B-B14F-4D97-AF65-F5344CB8AC3E}">
+        <p14:creationId xmlns:p14="http://schemas.microsoft.com/office/powerpoint/2010/main" val="3820315326"/>
+      </p:ext>
+    </p:extLst>
+  </p:cSld>
+  <p:clrMapOvr>
+    <a:masterClrMapping/>
+  </p:clrMapOvr>
+</p:sld>
+</file>
+
+<file path=ppt/slides/slide6.xml><?xml version="1.0" encoding="utf-8"?>
 <p:sld xmlns:a="http://schemas.openxmlformats.org/drawingml/2006/main" xmlns:r="http://schemas.openxmlformats.org/officeDocument/2006/relationships" xmlns:p="http://schemas.openxmlformats.org/presentationml/2006/main">
   <p:cSld>
     <p:spTree>
@@ -14342,6 +16352,29 @@
               </a:rPr>
               <a:t> tabla</a:t>
             </a:r>
+          </a:p>
+          <a:p>
+            <a:pPr marL="342900" marR="0" lvl="0" indent="-342900" algn="l" rtl="0">
+              <a:lnSpc>
+                <a:spcPct val="115000"/>
+              </a:lnSpc>
+              <a:spcBef>
+                <a:spcPts val="0"/>
+              </a:spcBef>
+              <a:spcAft>
+                <a:spcPts val="0"/>
+              </a:spcAft>
+              <a:buClr>
+                <a:schemeClr val="dk2"/>
+              </a:buClr>
+              <a:buSzPts val="1400"/>
+              <a:buFont typeface="Arial"/>
+              <a:buChar char="●"/>
+            </a:pPr>
+            <a:r>
+              <a:rPr lang="sl-SI" sz="2100" b="1" dirty="0"/>
+              <a:t>Sprotno dogovarjanje</a:t>
+            </a:r>
             <a:endParaRPr sz="2100" b="1" i="0" u="none" strike="noStrike" cap="none" dirty="0">
               <a:solidFill>
                 <a:schemeClr val="dk2"/>
@@ -14424,7 +16457,7 @@
 </p:sld>
 </file>
 
-<file path=ppt/slides/slide6.xml><?xml version="1.0" encoding="utf-8"?>
+<file path=ppt/slides/slide7.xml><?xml version="1.0" encoding="utf-8"?>
 <p:sld xmlns:a="http://schemas.openxmlformats.org/drawingml/2006/main" xmlns:r="http://schemas.openxmlformats.org/officeDocument/2006/relationships" xmlns:p="http://schemas.openxmlformats.org/presentationml/2006/main">
   <p:cSld>
     <p:spTree>
@@ -14641,35 +16674,10 @@
               <a:rPr lang="en" sz="1600" dirty="0"/>
               <a:t>Osnovne funkcionalnosti</a:t>
             </a:r>
-            <a:endParaRPr lang="sl-SI" sz="1600" dirty="0"/>
-          </a:p>
-          <a:p>
-            <a:pPr marL="457200" marR="0" lvl="0" indent="-330200" algn="l" rtl="0">
-              <a:lnSpc>
-                <a:spcPct val="115000"/>
-              </a:lnSpc>
-              <a:spcBef>
-                <a:spcPts val="1600"/>
-              </a:spcBef>
-              <a:spcAft>
-                <a:spcPts val="0"/>
-              </a:spcAft>
-              <a:buClr>
-                <a:schemeClr val="dk2"/>
-              </a:buClr>
-              <a:buSzPts val="1600"/>
-              <a:buFont typeface="Arial"/>
-              <a:buChar char="●"/>
-            </a:pPr>
             <a:r>
               <a:rPr lang="sl-SI" sz="1600" dirty="0"/>
-              <a:t>V večini dokončan </a:t>
+              <a:t> + dinamičnost</a:t>
             </a:r>
-            <a:r>
-              <a:rPr lang="sl-SI" sz="1600"/>
-              <a:t>tedenski plan</a:t>
-            </a:r>
-            <a:endParaRPr lang="sl-SI" sz="1600" dirty="0"/>
           </a:p>
           <a:p>
             <a:pPr marL="127000" marR="0" lvl="0" indent="0" algn="l" rtl="0">
@@ -14739,7 +16747,7 @@
               <a:buNone/>
             </a:pPr>
             <a:r>
-              <a:rPr lang="en" sz="2100" b="1" i="0" u="none" strike="noStrike" cap="none">
+              <a:rPr lang="en" sz="2100" b="1" i="0" u="none" strike="noStrike" cap="none" dirty="0">
                 <a:solidFill>
                   <a:schemeClr val="dk1"/>
                 </a:solidFill>
@@ -14750,7 +16758,7 @@
               </a:rPr>
               <a:t>Negativne</a:t>
             </a:r>
-            <a:endParaRPr sz="2100" b="1" i="0" u="none" strike="noStrike" cap="none">
+            <a:endParaRPr sz="2100" b="1" i="0" u="none" strike="noStrike" cap="none" dirty="0">
               <a:solidFill>
                 <a:schemeClr val="dk1"/>
               </a:solidFill>
@@ -14779,7 +16787,7 @@
               <a:buChar char="●"/>
             </a:pPr>
             <a:r>
-              <a:rPr lang="en" sz="1800" b="0" i="0" u="none" strike="noStrike" cap="none">
+              <a:rPr lang="sl-SI" sz="1800" b="0" i="0" u="none" strike="noStrike" cap="none" dirty="0">
                 <a:solidFill>
                   <a:schemeClr val="dk2"/>
                 </a:solidFill>
@@ -14788,9 +16796,9 @@
                 <a:cs typeface="Arial"/>
                 <a:sym typeface="Arial"/>
               </a:rPr>
-              <a:t>Težave z google loginom</a:t>
+              <a:t>Manjše težave z dinamičnostjo prikaza</a:t>
             </a:r>
-            <a:endParaRPr sz="1800" b="0" i="0" u="none" strike="noStrike" cap="none">
+            <a:endParaRPr sz="1800" b="0" i="0" u="none" strike="noStrike" cap="none" dirty="0">
               <a:solidFill>
                 <a:schemeClr val="dk2"/>
               </a:solidFill>
@@ -14810,7 +16818,7 @@
 </p:sld>
 </file>
 
-<file path=ppt/slides/slide7.xml><?xml version="1.0" encoding="utf-8"?>
+<file path=ppt/slides/slide8.xml><?xml version="1.0" encoding="utf-8"?>
 <p:sld xmlns:a="http://schemas.openxmlformats.org/drawingml/2006/main" xmlns:r="http://schemas.openxmlformats.org/officeDocument/2006/relationships" xmlns:p="http://schemas.openxmlformats.org/presentationml/2006/main">
   <p:cSld>
     <p:spTree>
@@ -14971,27 +16979,33 @@
             </a:r>
             <a:r>
               <a:rPr lang="sl-SI" sz="1600" dirty="0"/>
-              <a:t>. Dodajanje novih osnovnih funkcionalnosti, združevanje strani v celoto.</a:t>
+              <a:t> do zadnje faze in njihova dinamična predstavitev. </a:t>
             </a:r>
           </a:p>
           <a:p>
-            <a:pPr marL="0" marR="0" lvl="0" indent="0" algn="l" rtl="0">
-              <a:lnSpc>
-                <a:spcPct val="115000"/>
-              </a:lnSpc>
-              <a:spcBef>
-                <a:spcPts val="0"/>
-              </a:spcBef>
-              <a:spcAft>
-                <a:spcPts val="0"/>
-              </a:spcAft>
-              <a:buClr>
-                <a:schemeClr val="dk2"/>
-              </a:buClr>
-              <a:buSzPts val="1800"/>
-              <a:buFont typeface="Arial"/>
+            <a:pPr marL="0" indent="0">
               <a:buNone/>
             </a:pPr>
+            <a:r>
+              <a:rPr lang="sl-SI" sz="1600" dirty="0"/>
+              <a:t>Povezave vseh </a:t>
+            </a:r>
+            <a:r>
+              <a:rPr lang="sl-SI" sz="1600" dirty="0" err="1"/>
+              <a:t>login</a:t>
+            </a:r>
+            <a:r>
+              <a:rPr lang="sl-SI" sz="1600" dirty="0"/>
+              <a:t>-ov z trenutno različico (osnovni </a:t>
+            </a:r>
+            <a:r>
+              <a:rPr lang="sl-SI" sz="1600" dirty="0" err="1"/>
+              <a:t>login</a:t>
+            </a:r>
+            <a:r>
+              <a:rPr lang="sl-SI" sz="1600" dirty="0"/>
+              <a:t> zaenkrat).</a:t>
+            </a:r>
             <a:endParaRPr dirty="0"/>
           </a:p>
           <a:p>
@@ -15032,7 +17046,7 @@
 </p:sld>
 </file>
 
-<file path=ppt/slides/slide8.xml><?xml version="1.0" encoding="utf-8"?>
+<file path=ppt/slides/slide9.xml><?xml version="1.0" encoding="utf-8"?>
 <p:sld xmlns:a="http://schemas.openxmlformats.org/drawingml/2006/main" xmlns:r="http://schemas.openxmlformats.org/officeDocument/2006/relationships" xmlns:p="http://schemas.openxmlformats.org/presentationml/2006/main">
   <p:cSld>
     <p:spTree>
@@ -15110,1536 +17124,6 @@
             <a:endParaRPr sz="4800" b="1" i="0" u="none" strike="noStrike" cap="none">
               <a:solidFill>
                 <a:schemeClr val="lt1"/>
-              </a:solidFill>
-              <a:latin typeface="Arial"/>
-              <a:ea typeface="Arial"/>
-              <a:cs typeface="Arial"/>
-              <a:sym typeface="Arial"/>
-            </a:endParaRPr>
-          </a:p>
-        </p:txBody>
-      </p:sp>
-    </p:spTree>
-  </p:cSld>
-  <p:clrMapOvr>
-    <a:masterClrMapping/>
-  </p:clrMapOvr>
-</p:sld>
-</file>
-
-<file path=ppt/slides/slide9.xml><?xml version="1.0" encoding="utf-8"?>
-<p:sld xmlns:a="http://schemas.openxmlformats.org/drawingml/2006/main" xmlns:r="http://schemas.openxmlformats.org/officeDocument/2006/relationships" xmlns:p="http://schemas.openxmlformats.org/presentationml/2006/main">
-  <p:cSld>
-    <p:spTree>
-      <p:nvGrpSpPr>
-        <p:cNvPr id="1" name="Shape 122"/>
-        <p:cNvGrpSpPr/>
-        <p:nvPr/>
-      </p:nvGrpSpPr>
-      <p:grpSpPr>
-        <a:xfrm>
-          <a:off x="0" y="0"/>
-          <a:ext cx="0" cy="0"/>
-          <a:chOff x="0" y="0"/>
-          <a:chExt cx="0" cy="0"/>
-        </a:xfrm>
-      </p:grpSpPr>
-      <p:sp>
-        <p:nvSpPr>
-          <p:cNvPr id="123" name="Shape 123" descr="Background pointer shape in timeline graphic"/>
-          <p:cNvSpPr/>
-          <p:nvPr/>
-        </p:nvSpPr>
-        <p:spPr>
-          <a:xfrm>
-            <a:off x="340934" y="2199000"/>
-            <a:ext cx="1872300" cy="745500"/>
-          </a:xfrm>
-          <a:prstGeom prst="homePlate">
-            <a:avLst>
-              <a:gd name="adj" fmla="val 50000"/>
-            </a:avLst>
-          </a:prstGeom>
-          <a:solidFill>
-            <a:schemeClr val="dk1"/>
-          </a:solidFill>
-          <a:ln w="9525" cap="flat" cmpd="sng">
-            <a:solidFill>
-              <a:schemeClr val="lt1"/>
-            </a:solidFill>
-            <a:prstDash val="solid"/>
-            <a:round/>
-            <a:headEnd type="none" w="sm" len="sm"/>
-            <a:tailEnd type="none" w="sm" len="sm"/>
-          </a:ln>
-        </p:spPr>
-        <p:txBody>
-          <a:bodyPr spcFirstLastPara="1" wrap="square" lIns="121875" tIns="121875" rIns="121875" bIns="121875" anchor="ctr" anchorCtr="0">
-            <a:noAutofit/>
-          </a:bodyPr>
-          <a:lstStyle/>
-          <a:p>
-            <a:pPr marL="0" marR="0" lvl="0" indent="0" algn="l" rtl="0">
-              <a:lnSpc>
-                <a:spcPct val="100000"/>
-              </a:lnSpc>
-              <a:spcBef>
-                <a:spcPts val="0"/>
-              </a:spcBef>
-              <a:spcAft>
-                <a:spcPts val="0"/>
-              </a:spcAft>
-              <a:buClr>
-                <a:srgbClr val="000000"/>
-              </a:buClr>
-              <a:buSzPts val="1400"/>
-              <a:buFont typeface="Arial"/>
-              <a:buNone/>
-            </a:pPr>
-            <a:endParaRPr sz="1400" b="0" i="0" u="none" strike="noStrike" cap="none">
-              <a:solidFill>
-                <a:srgbClr val="000000"/>
-              </a:solidFill>
-              <a:latin typeface="Arial"/>
-              <a:ea typeface="Arial"/>
-              <a:cs typeface="Arial"/>
-              <a:sym typeface="Arial"/>
-            </a:endParaRPr>
-          </a:p>
-        </p:txBody>
-      </p:sp>
-      <p:sp>
-        <p:nvSpPr>
-          <p:cNvPr id="124" name="Shape 124"/>
-          <p:cNvSpPr txBox="1">
-            <a:spLocks noGrp="1"/>
-          </p:cNvSpPr>
-          <p:nvPr>
-            <p:ph type="body" idx="4294967295"/>
-          </p:nvPr>
-        </p:nvSpPr>
-        <p:spPr>
-          <a:xfrm>
-            <a:off x="340923" y="2336550"/>
-            <a:ext cx="1455600" cy="470400"/>
-          </a:xfrm>
-          <a:prstGeom prst="rect">
-            <a:avLst/>
-          </a:prstGeom>
-          <a:noFill/>
-          <a:ln>
-            <a:noFill/>
-          </a:ln>
-        </p:spPr>
-        <p:txBody>
-          <a:bodyPr spcFirstLastPara="1" wrap="square" lIns="91425" tIns="91425" rIns="91425" bIns="91425" anchor="ctr" anchorCtr="0">
-            <a:noAutofit/>
-          </a:bodyPr>
-          <a:lstStyle/>
-          <a:p>
-            <a:pPr marL="0" marR="0" lvl="0" indent="0" algn="ctr" rtl="0">
-              <a:lnSpc>
-                <a:spcPct val="100000"/>
-              </a:lnSpc>
-              <a:spcBef>
-                <a:spcPts val="0"/>
-              </a:spcBef>
-              <a:spcAft>
-                <a:spcPts val="0"/>
-              </a:spcAft>
-              <a:buClr>
-                <a:schemeClr val="dk2"/>
-              </a:buClr>
-              <a:buSzPts val="1800"/>
-              <a:buFont typeface="Arial"/>
-              <a:buNone/>
-            </a:pPr>
-            <a:r>
-              <a:rPr lang="en" sz="1600" b="1" i="0" u="none" strike="noStrike" cap="none">
-                <a:solidFill>
-                  <a:schemeClr val="lt1"/>
-                </a:solidFill>
-                <a:latin typeface="Arial"/>
-                <a:ea typeface="Arial"/>
-                <a:cs typeface="Arial"/>
-                <a:sym typeface="Arial"/>
-              </a:rPr>
-              <a:t>21.5.08</a:t>
-            </a:r>
-            <a:endParaRPr sz="1600" b="1" i="0" u="none" strike="noStrike" cap="none">
-              <a:solidFill>
-                <a:schemeClr val="lt1"/>
-              </a:solidFill>
-              <a:latin typeface="Arial"/>
-              <a:ea typeface="Arial"/>
-              <a:cs typeface="Arial"/>
-              <a:sym typeface="Arial"/>
-            </a:endParaRPr>
-          </a:p>
-        </p:txBody>
-      </p:sp>
-      <p:grpSp>
-        <p:nvGrpSpPr>
-          <p:cNvPr id="125" name="Shape 125"/>
-          <p:cNvGrpSpPr/>
-          <p:nvPr/>
-        </p:nvGrpSpPr>
-        <p:grpSpPr>
-          <a:xfrm>
-            <a:off x="969270" y="1610215"/>
-            <a:ext cx="198900" cy="593656"/>
-            <a:chOff x="777447" y="1610215"/>
-            <a:chExt cx="198900" cy="593656"/>
-          </a:xfrm>
-        </p:grpSpPr>
-        <p:cxnSp>
-          <p:nvCxnSpPr>
-            <p:cNvPr id="126" name="Shape 126"/>
-            <p:cNvCxnSpPr/>
-            <p:nvPr/>
-          </p:nvCxnSpPr>
-          <p:spPr>
-            <a:xfrm>
-              <a:off x="876909" y="1649171"/>
-              <a:ext cx="0" cy="554700"/>
-            </a:xfrm>
-            <a:prstGeom prst="straightConnector1">
-              <a:avLst/>
-            </a:prstGeom>
-            <a:noFill/>
-            <a:ln w="9525" cap="flat" cmpd="sng">
-              <a:solidFill>
-                <a:schemeClr val="dk2"/>
-              </a:solidFill>
-              <a:prstDash val="solid"/>
-              <a:round/>
-              <a:headEnd type="none" w="sm" len="sm"/>
-              <a:tailEnd type="none" w="sm" len="sm"/>
-            </a:ln>
-          </p:spPr>
-        </p:cxnSp>
-        <p:sp>
-          <p:nvSpPr>
-            <p:cNvPr id="127" name="Shape 127"/>
-            <p:cNvSpPr/>
-            <p:nvPr/>
-          </p:nvSpPr>
-          <p:spPr>
-            <a:xfrm>
-              <a:off x="777447" y="1610215"/>
-              <a:ext cx="198900" cy="198900"/>
-            </a:xfrm>
-            <a:prstGeom prst="ellipse">
-              <a:avLst/>
-            </a:prstGeom>
-            <a:solidFill>
-              <a:schemeClr val="dk1"/>
-            </a:solidFill>
-            <a:ln>
-              <a:noFill/>
-            </a:ln>
-          </p:spPr>
-          <p:txBody>
-            <a:bodyPr spcFirstLastPara="1" wrap="square" lIns="91425" tIns="91425" rIns="91425" bIns="91425" anchor="ctr" anchorCtr="0">
-              <a:noAutofit/>
-            </a:bodyPr>
-            <a:lstStyle/>
-            <a:p>
-              <a:pPr marL="0" marR="0" lvl="0" indent="0" algn="l" rtl="0">
-                <a:lnSpc>
-                  <a:spcPct val="100000"/>
-                </a:lnSpc>
-                <a:spcBef>
-                  <a:spcPts val="0"/>
-                </a:spcBef>
-                <a:spcAft>
-                  <a:spcPts val="0"/>
-                </a:spcAft>
-                <a:buClr>
-                  <a:srgbClr val="000000"/>
-                </a:buClr>
-                <a:buSzPts val="1400"/>
-                <a:buFont typeface="Arial"/>
-                <a:buNone/>
-              </a:pPr>
-              <a:endParaRPr sz="1400" b="0" i="0" u="none" strike="noStrike" cap="none">
-                <a:solidFill>
-                  <a:srgbClr val="000000"/>
-                </a:solidFill>
-                <a:latin typeface="Arial"/>
-                <a:ea typeface="Arial"/>
-                <a:cs typeface="Arial"/>
-                <a:sym typeface="Arial"/>
-              </a:endParaRPr>
-            </a:p>
-          </p:txBody>
-        </p:sp>
-      </p:grpSp>
-      <p:sp>
-        <p:nvSpPr>
-          <p:cNvPr id="128" name="Shape 128"/>
-          <p:cNvSpPr txBox="1">
-            <a:spLocks noGrp="1"/>
-          </p:cNvSpPr>
-          <p:nvPr>
-            <p:ph type="body" idx="4294967295"/>
-          </p:nvPr>
-        </p:nvSpPr>
-        <p:spPr>
-          <a:xfrm>
-            <a:off x="318375" y="385667"/>
-            <a:ext cx="2366256" cy="906300"/>
-          </a:xfrm>
-          <a:prstGeom prst="rect">
-            <a:avLst/>
-          </a:prstGeom>
-          <a:noFill/>
-          <a:ln>
-            <a:noFill/>
-          </a:ln>
-        </p:spPr>
-        <p:txBody>
-          <a:bodyPr spcFirstLastPara="1" wrap="square" lIns="91425" tIns="91425" rIns="91425" bIns="91425" anchor="t" anchorCtr="0">
-            <a:noAutofit/>
-          </a:bodyPr>
-          <a:lstStyle/>
-          <a:p>
-            <a:pPr marL="0" marR="0" lvl="0" indent="0" algn="l" rtl="0">
-              <a:lnSpc>
-                <a:spcPct val="115000"/>
-              </a:lnSpc>
-              <a:spcBef>
-                <a:spcPts val="0"/>
-              </a:spcBef>
-              <a:spcAft>
-                <a:spcPts val="1600"/>
-              </a:spcAft>
-              <a:buClr>
-                <a:schemeClr val="dk2"/>
-              </a:buClr>
-              <a:buSzPts val="1800"/>
-              <a:buFont typeface="Arial"/>
-              <a:buNone/>
-            </a:pPr>
-            <a:r>
-              <a:rPr lang="en" sz="1600" b="0" i="0" u="none" strike="noStrike" cap="none">
-                <a:solidFill>
-                  <a:srgbClr val="38761D"/>
-                </a:solidFill>
-                <a:latin typeface="Arial"/>
-                <a:ea typeface="Arial"/>
-                <a:cs typeface="Arial"/>
-                <a:sym typeface="Arial"/>
-              </a:rPr>
-              <a:t>Vzpostavitev razvojnega in izvajalnega okolja, baze, vizija</a:t>
-            </a:r>
-            <a:endParaRPr sz="1600" b="0" i="0" u="none" strike="noStrike" cap="none">
-              <a:solidFill>
-                <a:srgbClr val="38761D"/>
-              </a:solidFill>
-              <a:latin typeface="Arial"/>
-              <a:ea typeface="Arial"/>
-              <a:cs typeface="Arial"/>
-              <a:sym typeface="Arial"/>
-            </a:endParaRPr>
-          </a:p>
-        </p:txBody>
-      </p:sp>
-      <p:sp>
-        <p:nvSpPr>
-          <p:cNvPr id="129" name="Shape 129" descr="Background pointer shape in timeline graphic"/>
-          <p:cNvSpPr/>
-          <p:nvPr/>
-        </p:nvSpPr>
-        <p:spPr>
-          <a:xfrm>
-            <a:off x="1817054" y="2199000"/>
-            <a:ext cx="2051100" cy="745500"/>
-          </a:xfrm>
-          <a:prstGeom prst="chevron">
-            <a:avLst>
-              <a:gd name="adj" fmla="val 50000"/>
-            </a:avLst>
-          </a:prstGeom>
-          <a:solidFill>
-            <a:schemeClr val="dk1"/>
-          </a:solidFill>
-          <a:ln w="9525" cap="flat" cmpd="sng">
-            <a:solidFill>
-              <a:schemeClr val="lt1"/>
-            </a:solidFill>
-            <a:prstDash val="solid"/>
-            <a:round/>
-            <a:headEnd type="none" w="sm" len="sm"/>
-            <a:tailEnd type="none" w="sm" len="sm"/>
-          </a:ln>
-        </p:spPr>
-        <p:txBody>
-          <a:bodyPr spcFirstLastPara="1" wrap="square" lIns="121875" tIns="121875" rIns="121875" bIns="121875" anchor="ctr" anchorCtr="0">
-            <a:noAutofit/>
-          </a:bodyPr>
-          <a:lstStyle/>
-          <a:p>
-            <a:pPr marL="0" marR="0" lvl="0" indent="0" algn="l" rtl="0">
-              <a:lnSpc>
-                <a:spcPct val="100000"/>
-              </a:lnSpc>
-              <a:spcBef>
-                <a:spcPts val="0"/>
-              </a:spcBef>
-              <a:spcAft>
-                <a:spcPts val="0"/>
-              </a:spcAft>
-              <a:buClr>
-                <a:srgbClr val="000000"/>
-              </a:buClr>
-              <a:buSzPts val="1400"/>
-              <a:buFont typeface="Arial"/>
-              <a:buNone/>
-            </a:pPr>
-            <a:endParaRPr sz="1400" b="0" i="0" u="none" strike="noStrike" cap="none">
-              <a:solidFill>
-                <a:srgbClr val="000000"/>
-              </a:solidFill>
-              <a:latin typeface="Arial"/>
-              <a:ea typeface="Arial"/>
-              <a:cs typeface="Arial"/>
-              <a:sym typeface="Arial"/>
-            </a:endParaRPr>
-          </a:p>
-        </p:txBody>
-      </p:sp>
-      <p:sp>
-        <p:nvSpPr>
-          <p:cNvPr id="130" name="Shape 130"/>
-          <p:cNvSpPr txBox="1">
-            <a:spLocks noGrp="1"/>
-          </p:cNvSpPr>
-          <p:nvPr>
-            <p:ph type="body" idx="4294967295"/>
-          </p:nvPr>
-        </p:nvSpPr>
-        <p:spPr>
-          <a:xfrm>
-            <a:off x="2126317" y="2336550"/>
-            <a:ext cx="1315500" cy="470400"/>
-          </a:xfrm>
-          <a:prstGeom prst="rect">
-            <a:avLst/>
-          </a:prstGeom>
-          <a:noFill/>
-          <a:ln>
-            <a:noFill/>
-          </a:ln>
-        </p:spPr>
-        <p:txBody>
-          <a:bodyPr spcFirstLastPara="1" wrap="square" lIns="91425" tIns="91425" rIns="91425" bIns="91425" anchor="ctr" anchorCtr="0">
-            <a:noAutofit/>
-          </a:bodyPr>
-          <a:lstStyle/>
-          <a:p>
-            <a:pPr marL="0" marR="0" lvl="0" indent="0" algn="ctr" rtl="0">
-              <a:lnSpc>
-                <a:spcPct val="100000"/>
-              </a:lnSpc>
-              <a:spcBef>
-                <a:spcPts val="0"/>
-              </a:spcBef>
-              <a:spcAft>
-                <a:spcPts val="0"/>
-              </a:spcAft>
-              <a:buClr>
-                <a:schemeClr val="dk2"/>
-              </a:buClr>
-              <a:buSzPts val="1800"/>
-              <a:buFont typeface="Arial"/>
-              <a:buNone/>
-            </a:pPr>
-            <a:r>
-              <a:rPr lang="en" sz="1600" b="1" i="0" u="none" strike="noStrike" cap="none">
-                <a:solidFill>
-                  <a:schemeClr val="lt1"/>
-                </a:solidFill>
-                <a:latin typeface="Arial"/>
-                <a:ea typeface="Arial"/>
-                <a:cs typeface="Arial"/>
-                <a:sym typeface="Arial"/>
-              </a:rPr>
-              <a:t>28.17.08</a:t>
-            </a:r>
-            <a:endParaRPr sz="1600" b="1" i="0" u="none" strike="noStrike" cap="none">
-              <a:solidFill>
-                <a:schemeClr val="lt1"/>
-              </a:solidFill>
-              <a:latin typeface="Arial"/>
-              <a:ea typeface="Arial"/>
-              <a:cs typeface="Arial"/>
-              <a:sym typeface="Arial"/>
-            </a:endParaRPr>
-          </a:p>
-        </p:txBody>
-      </p:sp>
-      <p:grpSp>
-        <p:nvGrpSpPr>
-          <p:cNvPr id="131" name="Shape 131"/>
-          <p:cNvGrpSpPr/>
-          <p:nvPr/>
-        </p:nvGrpSpPr>
-        <p:grpSpPr>
-          <a:xfrm>
-            <a:off x="2684632" y="2938958"/>
-            <a:ext cx="198900" cy="593656"/>
-            <a:chOff x="2223534" y="2938958"/>
-            <a:chExt cx="198900" cy="593656"/>
-          </a:xfrm>
-        </p:grpSpPr>
-        <p:cxnSp>
-          <p:nvCxnSpPr>
-            <p:cNvPr id="132" name="Shape 132"/>
-            <p:cNvCxnSpPr/>
-            <p:nvPr/>
-          </p:nvCxnSpPr>
-          <p:spPr>
-            <a:xfrm rot="10800000">
-              <a:off x="2322997" y="2938958"/>
-              <a:ext cx="0" cy="554700"/>
-            </a:xfrm>
-            <a:prstGeom prst="straightConnector1">
-              <a:avLst/>
-            </a:prstGeom>
-            <a:noFill/>
-            <a:ln w="9525" cap="flat" cmpd="sng">
-              <a:solidFill>
-                <a:schemeClr val="dk2"/>
-              </a:solidFill>
-              <a:prstDash val="solid"/>
-              <a:round/>
-              <a:headEnd type="none" w="sm" len="sm"/>
-              <a:tailEnd type="none" w="sm" len="sm"/>
-            </a:ln>
-          </p:spPr>
-        </p:cxnSp>
-        <p:sp>
-          <p:nvSpPr>
-            <p:cNvPr id="133" name="Shape 133"/>
-            <p:cNvSpPr/>
-            <p:nvPr/>
-          </p:nvSpPr>
-          <p:spPr>
-            <a:xfrm rot="10800000" flipH="1">
-              <a:off x="2223534" y="3333714"/>
-              <a:ext cx="198900" cy="198900"/>
-            </a:xfrm>
-            <a:prstGeom prst="ellipse">
-              <a:avLst/>
-            </a:prstGeom>
-            <a:solidFill>
-              <a:schemeClr val="dk1"/>
-            </a:solidFill>
-            <a:ln>
-              <a:noFill/>
-            </a:ln>
-          </p:spPr>
-          <p:txBody>
-            <a:bodyPr spcFirstLastPara="1" wrap="square" lIns="91425" tIns="91425" rIns="91425" bIns="91425" anchor="ctr" anchorCtr="0">
-              <a:noAutofit/>
-            </a:bodyPr>
-            <a:lstStyle/>
-            <a:p>
-              <a:pPr marL="0" marR="0" lvl="0" indent="0" algn="l" rtl="0">
-                <a:lnSpc>
-                  <a:spcPct val="100000"/>
-                </a:lnSpc>
-                <a:spcBef>
-                  <a:spcPts val="0"/>
-                </a:spcBef>
-                <a:spcAft>
-                  <a:spcPts val="0"/>
-                </a:spcAft>
-                <a:buClr>
-                  <a:srgbClr val="000000"/>
-                </a:buClr>
-                <a:buSzPts val="1400"/>
-                <a:buFont typeface="Arial"/>
-                <a:buNone/>
-              </a:pPr>
-              <a:endParaRPr sz="1400" b="0" i="0" u="none" strike="noStrike" cap="none">
-                <a:solidFill>
-                  <a:srgbClr val="000000"/>
-                </a:solidFill>
-                <a:latin typeface="Arial"/>
-                <a:ea typeface="Arial"/>
-                <a:cs typeface="Arial"/>
-                <a:sym typeface="Arial"/>
-              </a:endParaRPr>
-            </a:p>
-          </p:txBody>
-        </p:sp>
-      </p:grpSp>
-      <p:sp>
-        <p:nvSpPr>
-          <p:cNvPr id="134" name="Shape 134"/>
-          <p:cNvSpPr txBox="1">
-            <a:spLocks noGrp="1"/>
-          </p:cNvSpPr>
-          <p:nvPr>
-            <p:ph type="body" idx="4294967295"/>
-          </p:nvPr>
-        </p:nvSpPr>
-        <p:spPr>
-          <a:xfrm>
-            <a:off x="1244337" y="3757725"/>
-            <a:ext cx="2772762" cy="906300"/>
-          </a:xfrm>
-          <a:prstGeom prst="rect">
-            <a:avLst/>
-          </a:prstGeom>
-          <a:noFill/>
-          <a:ln>
-            <a:noFill/>
-          </a:ln>
-        </p:spPr>
-        <p:txBody>
-          <a:bodyPr spcFirstLastPara="1" wrap="square" lIns="91425" tIns="91425" rIns="91425" bIns="91425" anchor="t" anchorCtr="0">
-            <a:noAutofit/>
-          </a:bodyPr>
-          <a:lstStyle/>
-          <a:p>
-            <a:pPr marL="0" marR="0" lvl="0" indent="0" algn="l" rtl="0">
-              <a:lnSpc>
-                <a:spcPct val="115000"/>
-              </a:lnSpc>
-              <a:spcBef>
-                <a:spcPts val="0"/>
-              </a:spcBef>
-              <a:spcAft>
-                <a:spcPts val="1600"/>
-              </a:spcAft>
-              <a:buClr>
-                <a:schemeClr val="dk2"/>
-              </a:buClr>
-              <a:buSzPts val="1800"/>
-              <a:buFont typeface="Arial"/>
-              <a:buNone/>
-            </a:pPr>
-            <a:r>
-              <a:rPr lang="en" sz="1600" b="0" i="0" u="none" strike="noStrike" cap="none">
-                <a:solidFill>
-                  <a:srgbClr val="FF9900"/>
-                </a:solidFill>
-                <a:latin typeface="Arial"/>
-                <a:ea typeface="Arial"/>
-                <a:cs typeface="Arial"/>
-                <a:sym typeface="Arial"/>
-              </a:rPr>
-              <a:t>Priprava stabilne različice rešitve in enotnega uporabniškega vmesnika</a:t>
-            </a:r>
-            <a:endParaRPr sz="1600" b="0" i="0" u="none" strike="noStrike" cap="none">
-              <a:solidFill>
-                <a:srgbClr val="FF9900"/>
-              </a:solidFill>
-              <a:latin typeface="Arial"/>
-              <a:ea typeface="Arial"/>
-              <a:cs typeface="Arial"/>
-              <a:sym typeface="Arial"/>
-            </a:endParaRPr>
-          </a:p>
-        </p:txBody>
-      </p:sp>
-      <p:sp>
-        <p:nvSpPr>
-          <p:cNvPr id="135" name="Shape 135" descr="Background pointer shape in timeline graphic"/>
-          <p:cNvSpPr/>
-          <p:nvPr/>
-        </p:nvSpPr>
-        <p:spPr>
-          <a:xfrm>
-            <a:off x="3471973" y="2199000"/>
-            <a:ext cx="2051100" cy="745500"/>
-          </a:xfrm>
-          <a:prstGeom prst="chevron">
-            <a:avLst>
-              <a:gd name="adj" fmla="val 50000"/>
-            </a:avLst>
-          </a:prstGeom>
-          <a:solidFill>
-            <a:schemeClr val="dk1"/>
-          </a:solidFill>
-          <a:ln w="9525" cap="flat" cmpd="sng">
-            <a:solidFill>
-              <a:schemeClr val="lt1"/>
-            </a:solidFill>
-            <a:prstDash val="solid"/>
-            <a:round/>
-            <a:headEnd type="none" w="sm" len="sm"/>
-            <a:tailEnd type="none" w="sm" len="sm"/>
-          </a:ln>
-        </p:spPr>
-        <p:txBody>
-          <a:bodyPr spcFirstLastPara="1" wrap="square" lIns="121875" tIns="121875" rIns="121875" bIns="121875" anchor="ctr" anchorCtr="0">
-            <a:noAutofit/>
-          </a:bodyPr>
-          <a:lstStyle/>
-          <a:p>
-            <a:pPr marL="0" marR="0" lvl="0" indent="0" algn="l" rtl="0">
-              <a:lnSpc>
-                <a:spcPct val="100000"/>
-              </a:lnSpc>
-              <a:spcBef>
-                <a:spcPts val="0"/>
-              </a:spcBef>
-              <a:spcAft>
-                <a:spcPts val="0"/>
-              </a:spcAft>
-              <a:buClr>
-                <a:srgbClr val="000000"/>
-              </a:buClr>
-              <a:buSzPts val="1400"/>
-              <a:buFont typeface="Arial"/>
-              <a:buNone/>
-            </a:pPr>
-            <a:endParaRPr sz="1400" b="0" i="0" u="none" strike="noStrike" cap="none">
-              <a:solidFill>
-                <a:srgbClr val="000000"/>
-              </a:solidFill>
-              <a:latin typeface="Arial"/>
-              <a:ea typeface="Arial"/>
-              <a:cs typeface="Arial"/>
-              <a:sym typeface="Arial"/>
-            </a:endParaRPr>
-          </a:p>
-        </p:txBody>
-      </p:sp>
-      <p:sp>
-        <p:nvSpPr>
-          <p:cNvPr id="136" name="Shape 136"/>
-          <p:cNvSpPr txBox="1">
-            <a:spLocks noGrp="1"/>
-          </p:cNvSpPr>
-          <p:nvPr>
-            <p:ph type="body" idx="4294967295"/>
-          </p:nvPr>
-        </p:nvSpPr>
-        <p:spPr>
-          <a:xfrm>
-            <a:off x="3767755" y="2336550"/>
-            <a:ext cx="1315500" cy="470400"/>
-          </a:xfrm>
-          <a:prstGeom prst="rect">
-            <a:avLst/>
-          </a:prstGeom>
-          <a:noFill/>
-          <a:ln>
-            <a:noFill/>
-          </a:ln>
-        </p:spPr>
-        <p:txBody>
-          <a:bodyPr spcFirstLastPara="1" wrap="square" lIns="91425" tIns="91425" rIns="91425" bIns="91425" anchor="ctr" anchorCtr="0">
-            <a:noAutofit/>
-          </a:bodyPr>
-          <a:lstStyle/>
-          <a:p>
-            <a:pPr marL="0" marR="0" lvl="0" indent="0" algn="ctr" rtl="0">
-              <a:lnSpc>
-                <a:spcPct val="100000"/>
-              </a:lnSpc>
-              <a:spcBef>
-                <a:spcPts val="0"/>
-              </a:spcBef>
-              <a:spcAft>
-                <a:spcPts val="0"/>
-              </a:spcAft>
-              <a:buClr>
-                <a:schemeClr val="dk2"/>
-              </a:buClr>
-              <a:buSzPts val="1800"/>
-              <a:buFont typeface="Arial"/>
-              <a:buNone/>
-            </a:pPr>
-            <a:r>
-              <a:rPr lang="en" sz="1600" b="1" i="0" u="none" strike="noStrike" cap="none">
-                <a:solidFill>
-                  <a:schemeClr val="lt1"/>
-                </a:solidFill>
-                <a:latin typeface="Arial"/>
-                <a:ea typeface="Arial"/>
-                <a:cs typeface="Arial"/>
-                <a:sym typeface="Arial"/>
-              </a:rPr>
-              <a:t>4.6.08</a:t>
-            </a:r>
-            <a:endParaRPr sz="1600" b="1" i="0" u="none" strike="noStrike" cap="none">
-              <a:solidFill>
-                <a:schemeClr val="lt1"/>
-              </a:solidFill>
-              <a:latin typeface="Arial"/>
-              <a:ea typeface="Arial"/>
-              <a:cs typeface="Arial"/>
-              <a:sym typeface="Arial"/>
-            </a:endParaRPr>
-          </a:p>
-        </p:txBody>
-      </p:sp>
-      <p:grpSp>
-        <p:nvGrpSpPr>
-          <p:cNvPr id="137" name="Shape 137"/>
-          <p:cNvGrpSpPr/>
-          <p:nvPr/>
-        </p:nvGrpSpPr>
-        <p:grpSpPr>
-          <a:xfrm>
-            <a:off x="4319545" y="1610215"/>
-            <a:ext cx="198900" cy="593656"/>
-            <a:chOff x="3918084" y="1610215"/>
-            <a:chExt cx="198900" cy="593656"/>
-          </a:xfrm>
-        </p:grpSpPr>
-        <p:cxnSp>
-          <p:nvCxnSpPr>
-            <p:cNvPr id="138" name="Shape 138"/>
-            <p:cNvCxnSpPr/>
-            <p:nvPr/>
-          </p:nvCxnSpPr>
-          <p:spPr>
-            <a:xfrm>
-              <a:off x="4017546" y="1649171"/>
-              <a:ext cx="0" cy="554700"/>
-            </a:xfrm>
-            <a:prstGeom prst="straightConnector1">
-              <a:avLst/>
-            </a:prstGeom>
-            <a:noFill/>
-            <a:ln w="9525" cap="flat" cmpd="sng">
-              <a:solidFill>
-                <a:schemeClr val="dk2"/>
-              </a:solidFill>
-              <a:prstDash val="solid"/>
-              <a:round/>
-              <a:headEnd type="none" w="sm" len="sm"/>
-              <a:tailEnd type="none" w="sm" len="sm"/>
-            </a:ln>
-          </p:spPr>
-        </p:cxnSp>
-        <p:sp>
-          <p:nvSpPr>
-            <p:cNvPr id="139" name="Shape 139"/>
-            <p:cNvSpPr/>
-            <p:nvPr/>
-          </p:nvSpPr>
-          <p:spPr>
-            <a:xfrm>
-              <a:off x="3918084" y="1610215"/>
-              <a:ext cx="198900" cy="198900"/>
-            </a:xfrm>
-            <a:prstGeom prst="ellipse">
-              <a:avLst/>
-            </a:prstGeom>
-            <a:solidFill>
-              <a:schemeClr val="dk1"/>
-            </a:solidFill>
-            <a:ln>
-              <a:noFill/>
-            </a:ln>
-          </p:spPr>
-          <p:txBody>
-            <a:bodyPr spcFirstLastPara="1" wrap="square" lIns="91425" tIns="91425" rIns="91425" bIns="91425" anchor="ctr" anchorCtr="0">
-              <a:noAutofit/>
-            </a:bodyPr>
-            <a:lstStyle/>
-            <a:p>
-              <a:pPr marL="0" marR="0" lvl="0" indent="0" algn="l" rtl="0">
-                <a:lnSpc>
-                  <a:spcPct val="100000"/>
-                </a:lnSpc>
-                <a:spcBef>
-                  <a:spcPts val="0"/>
-                </a:spcBef>
-                <a:spcAft>
-                  <a:spcPts val="0"/>
-                </a:spcAft>
-                <a:buClr>
-                  <a:srgbClr val="000000"/>
-                </a:buClr>
-                <a:buSzPts val="1400"/>
-                <a:buFont typeface="Arial"/>
-                <a:buNone/>
-              </a:pPr>
-              <a:endParaRPr sz="1400" b="0" i="0" u="none" strike="noStrike" cap="none">
-                <a:solidFill>
-                  <a:srgbClr val="000000"/>
-                </a:solidFill>
-                <a:latin typeface="Arial"/>
-                <a:ea typeface="Arial"/>
-                <a:cs typeface="Arial"/>
-                <a:sym typeface="Arial"/>
-              </a:endParaRPr>
-            </a:p>
-          </p:txBody>
-        </p:sp>
-      </p:grpSp>
-      <p:sp>
-        <p:nvSpPr>
-          <p:cNvPr id="140" name="Shape 140"/>
-          <p:cNvSpPr txBox="1">
-            <a:spLocks noGrp="1"/>
-          </p:cNvSpPr>
-          <p:nvPr>
-            <p:ph type="body" idx="4294967295"/>
-          </p:nvPr>
-        </p:nvSpPr>
-        <p:spPr>
-          <a:xfrm>
-            <a:off x="3304093" y="385667"/>
-            <a:ext cx="2768439" cy="906300"/>
-          </a:xfrm>
-          <a:prstGeom prst="rect">
-            <a:avLst/>
-          </a:prstGeom>
-          <a:noFill/>
-          <a:ln>
-            <a:noFill/>
-          </a:ln>
-        </p:spPr>
-        <p:txBody>
-          <a:bodyPr spcFirstLastPara="1" wrap="square" lIns="91425" tIns="91425" rIns="91425" bIns="91425" anchor="t" anchorCtr="0">
-            <a:noAutofit/>
-          </a:bodyPr>
-          <a:lstStyle/>
-          <a:p>
-            <a:pPr marL="0" marR="0" lvl="0" indent="0" algn="l" rtl="0">
-              <a:lnSpc>
-                <a:spcPct val="115000"/>
-              </a:lnSpc>
-              <a:spcBef>
-                <a:spcPts val="0"/>
-              </a:spcBef>
-              <a:spcAft>
-                <a:spcPts val="1600"/>
-              </a:spcAft>
-              <a:buClr>
-                <a:schemeClr val="dk2"/>
-              </a:buClr>
-              <a:buSzPts val="1800"/>
-              <a:buFont typeface="Arial"/>
-              <a:buNone/>
-            </a:pPr>
-            <a:r>
-              <a:rPr lang="en" sz="1600" b="0" i="0" u="none" strike="noStrike" cap="none">
-                <a:solidFill>
-                  <a:srgbClr val="FF0000"/>
-                </a:solidFill>
-                <a:latin typeface="Arial"/>
-                <a:ea typeface="Arial"/>
-                <a:cs typeface="Arial"/>
-                <a:sym typeface="Arial"/>
-              </a:rPr>
-              <a:t>Delo na funkcionalnostih in priprava stabilne različice rešitve z omejenim naborom funkcionalnosti</a:t>
-            </a:r>
-            <a:endParaRPr sz="1600" b="0" i="0" u="none" strike="noStrike" cap="none">
-              <a:solidFill>
-                <a:srgbClr val="FF0000"/>
-              </a:solidFill>
-              <a:latin typeface="Arial"/>
-              <a:ea typeface="Arial"/>
-              <a:cs typeface="Arial"/>
-              <a:sym typeface="Arial"/>
-            </a:endParaRPr>
-          </a:p>
-        </p:txBody>
-      </p:sp>
-      <p:sp>
-        <p:nvSpPr>
-          <p:cNvPr id="141" name="Shape 141" descr="Background pointer shape in timeline graphic"/>
-          <p:cNvSpPr/>
-          <p:nvPr/>
-        </p:nvSpPr>
-        <p:spPr>
-          <a:xfrm>
-            <a:off x="5126893" y="2199000"/>
-            <a:ext cx="2051100" cy="745500"/>
-          </a:xfrm>
-          <a:prstGeom prst="chevron">
-            <a:avLst>
-              <a:gd name="adj" fmla="val 50000"/>
-            </a:avLst>
-          </a:prstGeom>
-          <a:solidFill>
-            <a:schemeClr val="dk1"/>
-          </a:solidFill>
-          <a:ln w="9525" cap="flat" cmpd="sng">
-            <a:solidFill>
-              <a:schemeClr val="lt1"/>
-            </a:solidFill>
-            <a:prstDash val="solid"/>
-            <a:round/>
-            <a:headEnd type="none" w="sm" len="sm"/>
-            <a:tailEnd type="none" w="sm" len="sm"/>
-          </a:ln>
-        </p:spPr>
-        <p:txBody>
-          <a:bodyPr spcFirstLastPara="1" wrap="square" lIns="121875" tIns="121875" rIns="121875" bIns="121875" anchor="ctr" anchorCtr="0">
-            <a:noAutofit/>
-          </a:bodyPr>
-          <a:lstStyle/>
-          <a:p>
-            <a:pPr marL="0" marR="0" lvl="0" indent="0" algn="l" rtl="0">
-              <a:lnSpc>
-                <a:spcPct val="100000"/>
-              </a:lnSpc>
-              <a:spcBef>
-                <a:spcPts val="0"/>
-              </a:spcBef>
-              <a:spcAft>
-                <a:spcPts val="0"/>
-              </a:spcAft>
-              <a:buClr>
-                <a:srgbClr val="000000"/>
-              </a:buClr>
-              <a:buSzPts val="1400"/>
-              <a:buFont typeface="Arial"/>
-              <a:buNone/>
-            </a:pPr>
-            <a:endParaRPr sz="1400" b="0" i="0" u="none" strike="noStrike" cap="none">
-              <a:solidFill>
-                <a:srgbClr val="000000"/>
-              </a:solidFill>
-              <a:latin typeface="Arial"/>
-              <a:ea typeface="Arial"/>
-              <a:cs typeface="Arial"/>
-              <a:sym typeface="Arial"/>
-            </a:endParaRPr>
-          </a:p>
-        </p:txBody>
-      </p:sp>
-      <p:sp>
-        <p:nvSpPr>
-          <p:cNvPr id="142" name="Shape 142"/>
-          <p:cNvSpPr txBox="1">
-            <a:spLocks noGrp="1"/>
-          </p:cNvSpPr>
-          <p:nvPr>
-            <p:ph type="body" idx="4294967295"/>
-          </p:nvPr>
-        </p:nvSpPr>
-        <p:spPr>
-          <a:xfrm>
-            <a:off x="5416699" y="2336550"/>
-            <a:ext cx="1315500" cy="470400"/>
-          </a:xfrm>
-          <a:prstGeom prst="rect">
-            <a:avLst/>
-          </a:prstGeom>
-          <a:noFill/>
-          <a:ln>
-            <a:noFill/>
-          </a:ln>
-        </p:spPr>
-        <p:txBody>
-          <a:bodyPr spcFirstLastPara="1" wrap="square" lIns="91425" tIns="91425" rIns="91425" bIns="91425" anchor="ctr" anchorCtr="0">
-            <a:noAutofit/>
-          </a:bodyPr>
-          <a:lstStyle/>
-          <a:p>
-            <a:pPr marL="0" marR="0" lvl="0" indent="0" algn="ctr" rtl="0">
-              <a:lnSpc>
-                <a:spcPct val="100000"/>
-              </a:lnSpc>
-              <a:spcBef>
-                <a:spcPts val="0"/>
-              </a:spcBef>
-              <a:spcAft>
-                <a:spcPts val="0"/>
-              </a:spcAft>
-              <a:buClr>
-                <a:schemeClr val="dk2"/>
-              </a:buClr>
-              <a:buSzPts val="1800"/>
-              <a:buFont typeface="Arial"/>
-              <a:buNone/>
-            </a:pPr>
-            <a:r>
-              <a:rPr lang="en" sz="1600" b="1" i="0" u="none" strike="noStrike" cap="none">
-                <a:solidFill>
-                  <a:schemeClr val="lt1"/>
-                </a:solidFill>
-                <a:latin typeface="Arial"/>
-                <a:ea typeface="Arial"/>
-                <a:cs typeface="Arial"/>
-                <a:sym typeface="Arial"/>
-              </a:rPr>
-              <a:t>11.6.08</a:t>
-            </a:r>
-            <a:endParaRPr sz="1600" b="1" i="0" u="none" strike="noStrike" cap="none">
-              <a:solidFill>
-                <a:schemeClr val="lt1"/>
-              </a:solidFill>
-              <a:latin typeface="Arial"/>
-              <a:ea typeface="Arial"/>
-              <a:cs typeface="Arial"/>
-              <a:sym typeface="Arial"/>
-            </a:endParaRPr>
-          </a:p>
-        </p:txBody>
-      </p:sp>
-      <p:grpSp>
-        <p:nvGrpSpPr>
-          <p:cNvPr id="143" name="Shape 143"/>
-          <p:cNvGrpSpPr/>
-          <p:nvPr/>
-        </p:nvGrpSpPr>
-        <p:grpSpPr>
-          <a:xfrm>
-            <a:off x="5973070" y="2938958"/>
-            <a:ext cx="198900" cy="593656"/>
-            <a:chOff x="5958946" y="2938958"/>
-            <a:chExt cx="198900" cy="593656"/>
-          </a:xfrm>
-        </p:grpSpPr>
-        <p:cxnSp>
-          <p:nvCxnSpPr>
-            <p:cNvPr id="144" name="Shape 144"/>
-            <p:cNvCxnSpPr/>
-            <p:nvPr/>
-          </p:nvCxnSpPr>
-          <p:spPr>
-            <a:xfrm rot="10800000">
-              <a:off x="6058409" y="2938958"/>
-              <a:ext cx="0" cy="554700"/>
-            </a:xfrm>
-            <a:prstGeom prst="straightConnector1">
-              <a:avLst/>
-            </a:prstGeom>
-            <a:noFill/>
-            <a:ln w="9525" cap="flat" cmpd="sng">
-              <a:solidFill>
-                <a:schemeClr val="dk2"/>
-              </a:solidFill>
-              <a:prstDash val="solid"/>
-              <a:round/>
-              <a:headEnd type="none" w="sm" len="sm"/>
-              <a:tailEnd type="none" w="sm" len="sm"/>
-            </a:ln>
-          </p:spPr>
-        </p:cxnSp>
-        <p:sp>
-          <p:nvSpPr>
-            <p:cNvPr id="145" name="Shape 145"/>
-            <p:cNvSpPr/>
-            <p:nvPr/>
-          </p:nvSpPr>
-          <p:spPr>
-            <a:xfrm rot="10800000" flipH="1">
-              <a:off x="5958946" y="3333714"/>
-              <a:ext cx="198900" cy="198900"/>
-            </a:xfrm>
-            <a:prstGeom prst="ellipse">
-              <a:avLst/>
-            </a:prstGeom>
-            <a:solidFill>
-              <a:schemeClr val="dk1"/>
-            </a:solidFill>
-            <a:ln>
-              <a:noFill/>
-            </a:ln>
-          </p:spPr>
-          <p:txBody>
-            <a:bodyPr spcFirstLastPara="1" wrap="square" lIns="91425" tIns="91425" rIns="91425" bIns="91425" anchor="ctr" anchorCtr="0">
-              <a:noAutofit/>
-            </a:bodyPr>
-            <a:lstStyle/>
-            <a:p>
-              <a:pPr marL="0" marR="0" lvl="0" indent="0" algn="l" rtl="0">
-                <a:lnSpc>
-                  <a:spcPct val="100000"/>
-                </a:lnSpc>
-                <a:spcBef>
-                  <a:spcPts val="0"/>
-                </a:spcBef>
-                <a:spcAft>
-                  <a:spcPts val="0"/>
-                </a:spcAft>
-                <a:buClr>
-                  <a:srgbClr val="000000"/>
-                </a:buClr>
-                <a:buSzPts val="1400"/>
-                <a:buFont typeface="Arial"/>
-                <a:buNone/>
-              </a:pPr>
-              <a:endParaRPr sz="1400" b="0" i="0" u="none" strike="noStrike" cap="none">
-                <a:solidFill>
-                  <a:srgbClr val="000000"/>
-                </a:solidFill>
-                <a:latin typeface="Arial"/>
-                <a:ea typeface="Arial"/>
-                <a:cs typeface="Arial"/>
-                <a:sym typeface="Arial"/>
-              </a:endParaRPr>
-            </a:p>
-          </p:txBody>
-        </p:sp>
-      </p:grpSp>
-      <p:sp>
-        <p:nvSpPr>
-          <p:cNvPr id="146" name="Shape 146"/>
-          <p:cNvSpPr txBox="1">
-            <a:spLocks noGrp="1"/>
-          </p:cNvSpPr>
-          <p:nvPr>
-            <p:ph type="body" idx="4294967295"/>
-          </p:nvPr>
-        </p:nvSpPr>
-        <p:spPr>
-          <a:xfrm>
-            <a:off x="5126901" y="3757725"/>
-            <a:ext cx="2642367" cy="906300"/>
-          </a:xfrm>
-          <a:prstGeom prst="rect">
-            <a:avLst/>
-          </a:prstGeom>
-          <a:noFill/>
-          <a:ln>
-            <a:noFill/>
-          </a:ln>
-        </p:spPr>
-        <p:txBody>
-          <a:bodyPr spcFirstLastPara="1" wrap="square" lIns="91425" tIns="91425" rIns="91425" bIns="91425" anchor="t" anchorCtr="0">
-            <a:noAutofit/>
-          </a:bodyPr>
-          <a:lstStyle/>
-          <a:p>
-            <a:pPr marL="0" marR="0" lvl="0" indent="0" algn="l" rtl="0">
-              <a:lnSpc>
-                <a:spcPct val="115000"/>
-              </a:lnSpc>
-              <a:spcBef>
-                <a:spcPts val="0"/>
-              </a:spcBef>
-              <a:spcAft>
-                <a:spcPts val="1600"/>
-              </a:spcAft>
-              <a:buClr>
-                <a:schemeClr val="dk2"/>
-              </a:buClr>
-              <a:buSzPts val="1800"/>
-              <a:buFont typeface="Arial"/>
-              <a:buNone/>
-            </a:pPr>
-            <a:r>
-              <a:rPr lang="en" sz="1600" b="0" i="0" u="none" strike="noStrike" cap="none">
-                <a:solidFill>
-                  <a:srgbClr val="FF0000"/>
-                </a:solidFill>
-                <a:latin typeface="Arial"/>
-                <a:ea typeface="Arial"/>
-                <a:cs typeface="Arial"/>
-                <a:sym typeface="Arial"/>
-              </a:rPr>
-              <a:t>Delo na funkcionalnostih, pripravljena RC različica rešitve z vsemi funkcionalnostmi</a:t>
-            </a:r>
-            <a:endParaRPr sz="1600" b="0" i="0" u="none" strike="noStrike" cap="none">
-              <a:solidFill>
-                <a:srgbClr val="FF0000"/>
-              </a:solidFill>
-              <a:latin typeface="Arial"/>
-              <a:ea typeface="Arial"/>
-              <a:cs typeface="Arial"/>
-              <a:sym typeface="Arial"/>
-            </a:endParaRPr>
-          </a:p>
-        </p:txBody>
-      </p:sp>
-      <p:sp>
-        <p:nvSpPr>
-          <p:cNvPr id="147" name="Shape 147" descr="Background pointer shape in timeline graphic"/>
-          <p:cNvSpPr/>
-          <p:nvPr/>
-        </p:nvSpPr>
-        <p:spPr>
-          <a:xfrm>
-            <a:off x="6781813" y="2199000"/>
-            <a:ext cx="2051100" cy="745500"/>
-          </a:xfrm>
-          <a:prstGeom prst="chevron">
-            <a:avLst>
-              <a:gd name="adj" fmla="val 50000"/>
-            </a:avLst>
-          </a:prstGeom>
-          <a:solidFill>
-            <a:schemeClr val="dk1"/>
-          </a:solidFill>
-          <a:ln w="9525" cap="flat" cmpd="sng">
-            <a:solidFill>
-              <a:schemeClr val="lt1"/>
-            </a:solidFill>
-            <a:prstDash val="solid"/>
-            <a:round/>
-            <a:headEnd type="none" w="sm" len="sm"/>
-            <a:tailEnd type="none" w="sm" len="sm"/>
-          </a:ln>
-        </p:spPr>
-        <p:txBody>
-          <a:bodyPr spcFirstLastPara="1" wrap="square" lIns="121875" tIns="121875" rIns="121875" bIns="121875" anchor="ctr" anchorCtr="0">
-            <a:noAutofit/>
-          </a:bodyPr>
-          <a:lstStyle/>
-          <a:p>
-            <a:pPr marL="0" marR="0" lvl="0" indent="0" algn="l" rtl="0">
-              <a:lnSpc>
-                <a:spcPct val="100000"/>
-              </a:lnSpc>
-              <a:spcBef>
-                <a:spcPts val="0"/>
-              </a:spcBef>
-              <a:spcAft>
-                <a:spcPts val="0"/>
-              </a:spcAft>
-              <a:buClr>
-                <a:srgbClr val="000000"/>
-              </a:buClr>
-              <a:buSzPts val="1400"/>
-              <a:buFont typeface="Arial"/>
-              <a:buNone/>
-            </a:pPr>
-            <a:endParaRPr sz="1400" b="0" i="0" u="none" strike="noStrike" cap="none">
-              <a:solidFill>
-                <a:srgbClr val="000000"/>
-              </a:solidFill>
-              <a:latin typeface="Arial"/>
-              <a:ea typeface="Arial"/>
-              <a:cs typeface="Arial"/>
-              <a:sym typeface="Arial"/>
-            </a:endParaRPr>
-          </a:p>
-        </p:txBody>
-      </p:sp>
-      <p:sp>
-        <p:nvSpPr>
-          <p:cNvPr id="148" name="Shape 148"/>
-          <p:cNvSpPr txBox="1">
-            <a:spLocks noGrp="1"/>
-          </p:cNvSpPr>
-          <p:nvPr>
-            <p:ph type="body" idx="4294967295"/>
-          </p:nvPr>
-        </p:nvSpPr>
-        <p:spPr>
-          <a:xfrm>
-            <a:off x="7111512" y="2336550"/>
-            <a:ext cx="1315500" cy="470400"/>
-          </a:xfrm>
-          <a:prstGeom prst="rect">
-            <a:avLst/>
-          </a:prstGeom>
-          <a:noFill/>
-          <a:ln>
-            <a:noFill/>
-          </a:ln>
-        </p:spPr>
-        <p:txBody>
-          <a:bodyPr spcFirstLastPara="1" wrap="square" lIns="91425" tIns="91425" rIns="91425" bIns="91425" anchor="ctr" anchorCtr="0">
-            <a:noAutofit/>
-          </a:bodyPr>
-          <a:lstStyle/>
-          <a:p>
-            <a:pPr marL="0" marR="0" lvl="0" indent="0" algn="ctr" rtl="0">
-              <a:lnSpc>
-                <a:spcPct val="100000"/>
-              </a:lnSpc>
-              <a:spcBef>
-                <a:spcPts val="0"/>
-              </a:spcBef>
-              <a:spcAft>
-                <a:spcPts val="0"/>
-              </a:spcAft>
-              <a:buClr>
-                <a:schemeClr val="dk2"/>
-              </a:buClr>
-              <a:buSzPts val="1800"/>
-              <a:buFont typeface="Arial"/>
-              <a:buNone/>
-            </a:pPr>
-            <a:r>
-              <a:rPr lang="en" sz="1600" b="1" i="0" u="none" strike="noStrike" cap="none">
-                <a:solidFill>
-                  <a:schemeClr val="lt1"/>
-                </a:solidFill>
-                <a:latin typeface="Arial"/>
-                <a:ea typeface="Arial"/>
-                <a:cs typeface="Arial"/>
-                <a:sym typeface="Arial"/>
-              </a:rPr>
-              <a:t>18.6.08</a:t>
-            </a:r>
-            <a:endParaRPr sz="1600" b="1" i="0" u="none" strike="noStrike" cap="none">
-              <a:solidFill>
-                <a:schemeClr val="lt1"/>
-              </a:solidFill>
-              <a:latin typeface="Arial"/>
-              <a:ea typeface="Arial"/>
-              <a:cs typeface="Arial"/>
-              <a:sym typeface="Arial"/>
-            </a:endParaRPr>
-          </a:p>
-        </p:txBody>
-      </p:sp>
-      <p:grpSp>
-        <p:nvGrpSpPr>
-          <p:cNvPr id="149" name="Shape 149"/>
-          <p:cNvGrpSpPr/>
-          <p:nvPr/>
-        </p:nvGrpSpPr>
-        <p:grpSpPr>
-          <a:xfrm>
-            <a:off x="7669807" y="1610215"/>
-            <a:ext cx="198900" cy="593656"/>
-            <a:chOff x="3918084" y="1610215"/>
-            <a:chExt cx="198900" cy="593656"/>
-          </a:xfrm>
-        </p:grpSpPr>
-        <p:cxnSp>
-          <p:nvCxnSpPr>
-            <p:cNvPr id="150" name="Shape 150"/>
-            <p:cNvCxnSpPr/>
-            <p:nvPr/>
-          </p:nvCxnSpPr>
-          <p:spPr>
-            <a:xfrm>
-              <a:off x="4017546" y="1649171"/>
-              <a:ext cx="0" cy="554700"/>
-            </a:xfrm>
-            <a:prstGeom prst="straightConnector1">
-              <a:avLst/>
-            </a:prstGeom>
-            <a:noFill/>
-            <a:ln w="9525" cap="flat" cmpd="sng">
-              <a:solidFill>
-                <a:schemeClr val="dk2"/>
-              </a:solidFill>
-              <a:prstDash val="solid"/>
-              <a:round/>
-              <a:headEnd type="none" w="sm" len="sm"/>
-              <a:tailEnd type="none" w="sm" len="sm"/>
-            </a:ln>
-          </p:spPr>
-        </p:cxnSp>
-        <p:sp>
-          <p:nvSpPr>
-            <p:cNvPr id="151" name="Shape 151"/>
-            <p:cNvSpPr/>
-            <p:nvPr/>
-          </p:nvSpPr>
-          <p:spPr>
-            <a:xfrm>
-              <a:off x="3918084" y="1610215"/>
-              <a:ext cx="198900" cy="198900"/>
-            </a:xfrm>
-            <a:prstGeom prst="ellipse">
-              <a:avLst/>
-            </a:prstGeom>
-            <a:solidFill>
-              <a:schemeClr val="dk1"/>
-            </a:solidFill>
-            <a:ln>
-              <a:noFill/>
-            </a:ln>
-          </p:spPr>
-          <p:txBody>
-            <a:bodyPr spcFirstLastPara="1" wrap="square" lIns="91425" tIns="91425" rIns="91425" bIns="91425" anchor="ctr" anchorCtr="0">
-              <a:noAutofit/>
-            </a:bodyPr>
-            <a:lstStyle/>
-            <a:p>
-              <a:pPr marL="0" marR="0" lvl="0" indent="0" algn="l" rtl="0">
-                <a:lnSpc>
-                  <a:spcPct val="100000"/>
-                </a:lnSpc>
-                <a:spcBef>
-                  <a:spcPts val="0"/>
-                </a:spcBef>
-                <a:spcAft>
-                  <a:spcPts val="0"/>
-                </a:spcAft>
-                <a:buClr>
-                  <a:srgbClr val="000000"/>
-                </a:buClr>
-                <a:buSzPts val="1400"/>
-                <a:buFont typeface="Arial"/>
-                <a:buNone/>
-              </a:pPr>
-              <a:endParaRPr sz="1400" b="0" i="0" u="none" strike="noStrike" cap="none">
-                <a:solidFill>
-                  <a:srgbClr val="000000"/>
-                </a:solidFill>
-                <a:latin typeface="Arial"/>
-                <a:ea typeface="Arial"/>
-                <a:cs typeface="Arial"/>
-                <a:sym typeface="Arial"/>
-              </a:endParaRPr>
-            </a:p>
-          </p:txBody>
-        </p:sp>
-      </p:grpSp>
-      <p:sp>
-        <p:nvSpPr>
-          <p:cNvPr id="152" name="Shape 152"/>
-          <p:cNvSpPr txBox="1">
-            <a:spLocks noGrp="1"/>
-          </p:cNvSpPr>
-          <p:nvPr>
-            <p:ph type="body" idx="4294967295"/>
-          </p:nvPr>
-        </p:nvSpPr>
-        <p:spPr>
-          <a:xfrm>
-            <a:off x="6464595" y="385667"/>
-            <a:ext cx="2464184" cy="906300"/>
-          </a:xfrm>
-          <a:prstGeom prst="rect">
-            <a:avLst/>
-          </a:prstGeom>
-          <a:noFill/>
-          <a:ln>
-            <a:noFill/>
-          </a:ln>
-        </p:spPr>
-        <p:txBody>
-          <a:bodyPr spcFirstLastPara="1" wrap="square" lIns="91425" tIns="91425" rIns="91425" bIns="91425" anchor="t" anchorCtr="0">
-            <a:noAutofit/>
-          </a:bodyPr>
-          <a:lstStyle/>
-          <a:p>
-            <a:pPr marL="0" marR="0" lvl="0" indent="0" algn="l" rtl="0">
-              <a:lnSpc>
-                <a:spcPct val="115000"/>
-              </a:lnSpc>
-              <a:spcBef>
-                <a:spcPts val="0"/>
-              </a:spcBef>
-              <a:spcAft>
-                <a:spcPts val="1600"/>
-              </a:spcAft>
-              <a:buClr>
-                <a:schemeClr val="dk2"/>
-              </a:buClr>
-              <a:buSzPts val="1800"/>
-              <a:buFont typeface="Arial"/>
-              <a:buNone/>
-            </a:pPr>
-            <a:r>
-              <a:rPr lang="en" sz="1600" b="0" i="0" u="none" strike="noStrike" cap="none">
-                <a:solidFill>
-                  <a:srgbClr val="FF0000"/>
-                </a:solidFill>
-                <a:latin typeface="Arial"/>
-                <a:ea typeface="Arial"/>
-                <a:cs typeface="Arial"/>
-                <a:sym typeface="Arial"/>
-              </a:rPr>
-              <a:t>Testiranje in dopolnjevanje ter popravki končne različice in namestitev na strežnik</a:t>
-            </a:r>
-            <a:endParaRPr sz="1600" b="0" i="0" u="none" strike="noStrike" cap="none">
-              <a:solidFill>
-                <a:srgbClr val="FF0000"/>
               </a:solidFill>
               <a:latin typeface="Arial"/>
               <a:ea typeface="Arial"/>

--- a/Predstavitve/Praktikum II - Skupina 7 - Teden 3.pptx
+++ b/Predstavitve/Praktikum II - Skupina 7 - Teden 3.pptx
@@ -12387,7 +12387,7 @@
               <a:buNone/>
             </a:pPr>
             <a:r>
-              <a:rPr lang="en" sz="1800" b="0" i="0" u="none" strike="noStrike" cap="none">
+              <a:rPr lang="en" sz="1800" b="0" i="0" u="none" strike="noStrike" cap="none" dirty="0">
                 <a:solidFill>
                   <a:srgbClr val="FFFF00"/>
                 </a:solidFill>
@@ -12396,9 +12396,53 @@
                 <a:cs typeface="Arial"/>
                 <a:sym typeface="Arial"/>
               </a:rPr>
-              <a:t>Matija Dolžan, Matic Brod, Petra Bencek, Laura Ekart• 28. 5. 2018</a:t>
+              <a:t>Matija Dolžan, Matic Brod, Petra Bencek, Laura Ekart• </a:t>
             </a:r>
-            <a:endParaRPr sz="1800" b="0" i="0" u="none" strike="noStrike" cap="none">
+            <a:r>
+              <a:rPr lang="sl-SI" sz="1800" b="0" i="0" u="none" strike="noStrike" cap="none" dirty="0">
+                <a:solidFill>
+                  <a:srgbClr val="FFFF00"/>
+                </a:solidFill>
+                <a:latin typeface="Arial"/>
+                <a:ea typeface="Arial"/>
+                <a:cs typeface="Arial"/>
+                <a:sym typeface="Arial"/>
+              </a:rPr>
+              <a:t>4</a:t>
+            </a:r>
+            <a:r>
+              <a:rPr lang="en" sz="1800" b="0" i="0" u="none" strike="noStrike" cap="none" dirty="0">
+                <a:solidFill>
+                  <a:srgbClr val="FFFF00"/>
+                </a:solidFill>
+                <a:latin typeface="Arial"/>
+                <a:ea typeface="Arial"/>
+                <a:cs typeface="Arial"/>
+                <a:sym typeface="Arial"/>
+              </a:rPr>
+              <a:t>. </a:t>
+            </a:r>
+            <a:r>
+              <a:rPr lang="sl-SI" dirty="0">
+                <a:solidFill>
+                  <a:srgbClr val="FFFF00"/>
+                </a:solidFill>
+              </a:rPr>
+              <a:t>6</a:t>
+            </a:r>
+            <a:r>
+              <a:rPr lang="en" sz="1800" b="0" i="0" u="none" strike="noStrike" cap="none" dirty="0">
+                <a:solidFill>
+                  <a:srgbClr val="FFFF00"/>
+                </a:solidFill>
+                <a:latin typeface="Arial"/>
+                <a:ea typeface="Arial"/>
+                <a:cs typeface="Arial"/>
+                <a:sym typeface="Arial"/>
+              </a:rPr>
+              <a:t>. 2018</a:t>
+            </a:r>
+            <a:endParaRPr sz="1800" b="0" i="0" u="none" strike="noStrike" cap="none" dirty="0">
               <a:solidFill>
                 <a:srgbClr val="FFFF00"/>
               </a:solidFill>
